--- a/CSharp/EWorm/EWorm.Crawler/Eworm爬虫算法设计.pptx
+++ b/CSharp/EWorm/EWorm.Crawler/Eworm爬虫算法设计.pptx
@@ -15123,11 +15123,15 @@
                   </a:schemeClr>
                 </a:solidFill>
               </a:rPr>
-              <a:t>GoodsFilterJob</a:t>
+              <a:t>FilterJob</a:t>
             </a:r>
             <a:r>
               <a:rPr lang="zh-CN" altLang="en-US" dirty="0" smtClean="0"/>
-              <a:t>负责持久化缓存池中的商品</a:t>
+              <a:t>负责筛选并持久</a:t>
+            </a:r>
+            <a:r>
+              <a:rPr lang="zh-CN" altLang="en-US" dirty="0" smtClean="0"/>
+              <a:t>化缓存池中的商品</a:t>
             </a:r>
             <a:endParaRPr lang="zh-CN" altLang="en-US" dirty="0"/>
           </a:p>
@@ -15451,15 +15455,7 @@
             <a:pPr algn="ctr"/>
             <a:r>
               <a:rPr lang="en-US" altLang="zh-CN" dirty="0" smtClean="0"/>
-              <a:t>Keyword </a:t>
-            </a:r>
-            <a:r>
-              <a:rPr lang="en-US" altLang="zh-CN" dirty="0" smtClean="0"/>
-              <a:t>Select </a:t>
-            </a:r>
-            <a:r>
-              <a:rPr lang="en-US" altLang="zh-CN" dirty="0" smtClean="0"/>
-              <a:t>Job</a:t>
+              <a:t>Keyword Select Job</a:t>
             </a:r>
             <a:endParaRPr lang="zh-CN" altLang="en-US" dirty="0"/>
           </a:p>
@@ -15731,7 +15727,11 @@
             <a:pPr algn="ctr"/>
             <a:r>
               <a:rPr lang="en-US" altLang="zh-CN" dirty="0" smtClean="0"/>
-              <a:t>Goods Filter Job</a:t>
+              <a:t>Filter </a:t>
+            </a:r>
+            <a:r>
+              <a:rPr lang="en-US" altLang="zh-CN" dirty="0" smtClean="0"/>
+              <a:t>Job</a:t>
             </a:r>
             <a:endParaRPr lang="zh-CN" altLang="en-US" dirty="0"/>
           </a:p>
@@ -16145,6 +16145,44 @@
           </a:fillRef>
           <a:effectRef idx="0">
             <a:schemeClr val="accent1"/>
+          </a:effectRef>
+          <a:fontRef idx="minor">
+            <a:schemeClr val="tx1"/>
+          </a:fontRef>
+        </p:style>
+      </p:cxnSp>
+      <p:cxnSp>
+        <p:nvCxnSpPr>
+          <p:cNvPr id="29" name="肘形连接符 28"/>
+          <p:cNvCxnSpPr>
+            <a:stCxn id="4" idx="2"/>
+            <a:endCxn id="9" idx="0"/>
+          </p:cNvCxnSpPr>
+          <p:nvPr/>
+        </p:nvCxnSpPr>
+        <p:spPr>
+          <a:xfrm rot="5400000">
+            <a:off x="3419872" y="1808820"/>
+            <a:ext cx="576064" cy="3096344"/>
+          </a:xfrm>
+          <a:prstGeom prst="bentConnector3">
+            <a:avLst>
+              <a:gd name="adj1" fmla="val 50000"/>
+            </a:avLst>
+          </a:prstGeom>
+          <a:ln>
+            <a:tailEnd type="arrow"/>
+          </a:ln>
+        </p:spPr>
+        <p:style>
+          <a:lnRef idx="2">
+            <a:schemeClr val="accent6"/>
+          </a:lnRef>
+          <a:fillRef idx="0">
+            <a:schemeClr val="accent6"/>
+          </a:fillRef>
+          <a:effectRef idx="1">
+            <a:schemeClr val="accent6"/>
           </a:effectRef>
           <a:fontRef idx="minor">
             <a:schemeClr val="tx1"/>
@@ -17216,8 +17254,8 @@
           </a:p>
         </p:txBody>
       </p:sp>
-      <mc:AlternateContent xmlns:mc="http://schemas.openxmlformats.org/markup-compatibility/2006">
-        <mc:Choice xmlns:a14="http://schemas.microsoft.com/office/drawing/2010/main" Requires="a14">
+      <mc:AlternateContent xmlns:mc="http://schemas.openxmlformats.org/markup-compatibility/2006" xmlns:a14="http://schemas.microsoft.com/office/drawing/2010/main">
+        <mc:Choice Requires="a14">
           <p:sp>
             <p:nvSpPr>
               <p:cNvPr id="3" name="内容占位符 2"/>
@@ -18049,7 +18087,7 @@
             </p:txBody>
           </p:sp>
         </mc:Choice>
-        <mc:Fallback>
+        <mc:Fallback xmlns="">
           <p:sp>
             <p:nvSpPr>
               <p:cNvPr id="3" name="内容占位符 2"/>
@@ -18535,15 +18573,7 @@
             <a:pPr algn="ctr"/>
             <a:r>
               <a:rPr lang="en-US" altLang="zh-CN" dirty="0" smtClean="0"/>
-              <a:t>Keyword </a:t>
-            </a:r>
-            <a:r>
-              <a:rPr lang="en-US" altLang="zh-CN" dirty="0" smtClean="0"/>
-              <a:t>Select </a:t>
-            </a:r>
-            <a:r>
-              <a:rPr lang="en-US" altLang="zh-CN" dirty="0" smtClean="0"/>
-              <a:t>Job</a:t>
+              <a:t>Keyword Select Job</a:t>
             </a:r>
             <a:endParaRPr lang="zh-CN" altLang="en-US" dirty="0"/>
           </a:p>

--- a/CSharp/EWorm/EWorm.Crawler/Eworm爬虫算法设计.pptx
+++ b/CSharp/EWorm/EWorm.Crawler/Eworm爬虫算法设计.pptx
@@ -10,9 +10,10 @@
     <p:sldId id="258" r:id="rId4"/>
     <p:sldId id="259" r:id="rId5"/>
     <p:sldId id="261" r:id="rId6"/>
-    <p:sldId id="262" r:id="rId7"/>
-    <p:sldId id="263" r:id="rId8"/>
-    <p:sldId id="264" r:id="rId9"/>
+    <p:sldId id="265" r:id="rId7"/>
+    <p:sldId id="262" r:id="rId8"/>
+    <p:sldId id="263" r:id="rId9"/>
+    <p:sldId id="264" r:id="rId10"/>
   </p:sldIdLst>
   <p:sldSz cx="9144000" cy="6858000" type="screen4x3"/>
   <p:notesSz cx="6858000" cy="9144000"/>
@@ -2871,7 +2872,7 @@
           <a:p>
             <a:fld id="{B983F1F2-4DD3-448A-9335-87264D83D09E}" type="datetimeFigureOut">
               <a:rPr lang="zh-CN" altLang="en-US" smtClean="0"/>
-              <a:t>2012/5/21</a:t>
+              <a:t>2012/5/22</a:t>
             </a:fld>
             <a:endParaRPr lang="zh-CN" altLang="en-US"/>
           </a:p>
@@ -3156,7 +3157,7 @@
           <a:p>
             <a:fld id="{B983F1F2-4DD3-448A-9335-87264D83D09E}" type="datetimeFigureOut">
               <a:rPr lang="zh-CN" altLang="en-US" smtClean="0"/>
-              <a:t>2012/5/21</a:t>
+              <a:t>2012/5/22</a:t>
             </a:fld>
             <a:endParaRPr lang="zh-CN" altLang="en-US"/>
           </a:p>
@@ -3331,7 +3332,7 @@
           <a:p>
             <a:fld id="{B983F1F2-4DD3-448A-9335-87264D83D09E}" type="datetimeFigureOut">
               <a:rPr lang="zh-CN" altLang="en-US" smtClean="0"/>
-              <a:t>2012/5/21</a:t>
+              <a:t>2012/5/22</a:t>
             </a:fld>
             <a:endParaRPr lang="zh-CN" altLang="en-US"/>
           </a:p>
@@ -3496,7 +3497,7 @@
           <a:p>
             <a:fld id="{B983F1F2-4DD3-448A-9335-87264D83D09E}" type="datetimeFigureOut">
               <a:rPr lang="zh-CN" altLang="en-US" smtClean="0"/>
-              <a:t>2012/5/21</a:t>
+              <a:t>2012/5/22</a:t>
             </a:fld>
             <a:endParaRPr lang="zh-CN" altLang="en-US"/>
           </a:p>
@@ -3737,7 +3738,7 @@
           <a:p>
             <a:fld id="{B983F1F2-4DD3-448A-9335-87264D83D09E}" type="datetimeFigureOut">
               <a:rPr lang="zh-CN" altLang="en-US" smtClean="0"/>
-              <a:t>2012/5/21</a:t>
+              <a:t>2012/5/22</a:t>
             </a:fld>
             <a:endParaRPr lang="zh-CN" altLang="en-US"/>
           </a:p>
@@ -3850,7 +3851,7 @@
           <a:p>
             <a:fld id="{B983F1F2-4DD3-448A-9335-87264D83D09E}" type="datetimeFigureOut">
               <a:rPr lang="zh-CN" altLang="en-US" smtClean="0"/>
-              <a:t>2012/5/21</a:t>
+              <a:t>2012/5/22</a:t>
             </a:fld>
             <a:endParaRPr lang="zh-CN" altLang="en-US"/>
           </a:p>
@@ -4389,7 +4390,7 @@
           <a:p>
             <a:fld id="{B983F1F2-4DD3-448A-9335-87264D83D09E}" type="datetimeFigureOut">
               <a:rPr lang="zh-CN" altLang="en-US" smtClean="0"/>
-              <a:t>2012/5/21</a:t>
+              <a:t>2012/5/22</a:t>
             </a:fld>
             <a:endParaRPr lang="zh-CN" altLang="en-US"/>
           </a:p>
@@ -4502,7 +4503,7 @@
           <a:p>
             <a:fld id="{B983F1F2-4DD3-448A-9335-87264D83D09E}" type="datetimeFigureOut">
               <a:rPr lang="zh-CN" altLang="en-US" smtClean="0"/>
-              <a:t>2012/5/21</a:t>
+              <a:t>2012/5/22</a:t>
             </a:fld>
             <a:endParaRPr lang="zh-CN" altLang="en-US"/>
           </a:p>
@@ -4592,7 +4593,7 @@
           <a:p>
             <a:fld id="{B983F1F2-4DD3-448A-9335-87264D83D09E}" type="datetimeFigureOut">
               <a:rPr lang="zh-CN" altLang="en-US" smtClean="0"/>
-              <a:t>2012/5/21</a:t>
+              <a:t>2012/5/22</a:t>
             </a:fld>
             <a:endParaRPr lang="zh-CN" altLang="en-US"/>
           </a:p>
@@ -7243,7 +7244,7 @@
           <a:p>
             <a:fld id="{B983F1F2-4DD3-448A-9335-87264D83D09E}" type="datetimeFigureOut">
               <a:rPr lang="zh-CN" altLang="en-US" smtClean="0"/>
-              <a:t>2012/5/21</a:t>
+              <a:t>2012/5/22</a:t>
             </a:fld>
             <a:endParaRPr lang="zh-CN" altLang="en-US"/>
           </a:p>
@@ -10455,7 +10456,7 @@
           <a:p>
             <a:fld id="{B983F1F2-4DD3-448A-9335-87264D83D09E}" type="datetimeFigureOut">
               <a:rPr lang="zh-CN" altLang="en-US" smtClean="0"/>
-              <a:t>2012/5/21</a:t>
+              <a:t>2012/5/22</a:t>
             </a:fld>
             <a:endParaRPr lang="zh-CN" altLang="en-US"/>
           </a:p>
@@ -13277,7 +13278,7 @@
           <a:p>
             <a:fld id="{B983F1F2-4DD3-448A-9335-87264D83D09E}" type="datetimeFigureOut">
               <a:rPr lang="zh-CN" altLang="en-US" smtClean="0"/>
-              <a:t>2012/5/21</a:t>
+              <a:t>2012/5/22</a:t>
             </a:fld>
             <a:endParaRPr lang="zh-CN" altLang="en-US"/>
           </a:p>
@@ -14011,14 +14012,15 @@
             </a:r>
             <a:r>
               <a:rPr lang="zh-CN" altLang="en-US" dirty="0" smtClean="0"/>
-              <a:t>有一个优先级</a:t>
-            </a:r>
-            <a:endParaRPr lang="en-US" altLang="zh-CN" dirty="0" smtClean="0"/>
-          </a:p>
-          <a:p>
+              <a:t>有一个</a:t>
+            </a:r>
             <a:r>
               <a:rPr lang="zh-CN" altLang="en-US" dirty="0" smtClean="0"/>
-              <a:t>如果有新的</a:t>
+              <a:t>优先级如果</a:t>
+            </a:r>
+            <a:r>
+              <a:rPr lang="zh-CN" altLang="en-US" dirty="0" smtClean="0"/>
+              <a:t>有新的</a:t>
             </a:r>
             <a:r>
               <a:rPr lang="en-US" altLang="zh-CN" dirty="0" smtClean="0"/>
@@ -15127,11 +15129,7 @@
             </a:r>
             <a:r>
               <a:rPr lang="zh-CN" altLang="en-US" dirty="0" smtClean="0"/>
-              <a:t>负责筛选并持久</a:t>
-            </a:r>
-            <a:r>
-              <a:rPr lang="zh-CN" altLang="en-US" dirty="0" smtClean="0"/>
-              <a:t>化缓存池中的商品</a:t>
+              <a:t>负责筛选并持久化缓存池中的商品</a:t>
             </a:r>
             <a:endParaRPr lang="zh-CN" altLang="en-US" dirty="0"/>
           </a:p>
@@ -15276,7 +15274,11 @@
             <a:pPr algn="ctr"/>
             <a:r>
               <a:rPr lang="en-US" altLang="zh-CN" dirty="0" smtClean="0"/>
-              <a:t>Fetch Job</a:t>
+              <a:t>Search </a:t>
+            </a:r>
+            <a:r>
+              <a:rPr lang="en-US" altLang="zh-CN" dirty="0" smtClean="0"/>
+              <a:t>Job</a:t>
             </a:r>
             <a:endParaRPr lang="zh-CN" altLang="en-US" dirty="0"/>
           </a:p>
@@ -15727,11 +15729,7 @@
             <a:pPr algn="ctr"/>
             <a:r>
               <a:rPr lang="en-US" altLang="zh-CN" dirty="0" smtClean="0"/>
-              <a:t>Filter </a:t>
-            </a:r>
-            <a:r>
-              <a:rPr lang="en-US" altLang="zh-CN" dirty="0" smtClean="0"/>
-              <a:t>Job</a:t>
+              <a:t>Filter Job</a:t>
             </a:r>
             <a:endParaRPr lang="zh-CN" altLang="en-US" dirty="0"/>
           </a:p>
@@ -16155,20 +16153,18 @@
         <p:nvCxnSpPr>
           <p:cNvPr id="29" name="肘形连接符 28"/>
           <p:cNvCxnSpPr>
-            <a:stCxn id="4" idx="2"/>
+            <a:stCxn id="31" idx="1"/>
             <a:endCxn id="9" idx="0"/>
           </p:cNvCxnSpPr>
           <p:nvPr/>
         </p:nvCxnSpPr>
         <p:spPr>
-          <a:xfrm rot="5400000">
-            <a:off x="3419872" y="1808820"/>
-            <a:ext cx="576064" cy="3096344"/>
+          <a:xfrm rot="10800000" flipV="1">
+            <a:off x="2159732" y="3473242"/>
+            <a:ext cx="1196516" cy="171781"/>
           </a:xfrm>
-          <a:prstGeom prst="bentConnector3">
-            <a:avLst>
-              <a:gd name="adj1" fmla="val 50000"/>
-            </a:avLst>
+          <a:prstGeom prst="bentConnector2">
+            <a:avLst/>
           </a:prstGeom>
           <a:ln>
             <a:tailEnd type="arrow"/>
@@ -16189,6 +16185,89 @@
           </a:fontRef>
         </p:style>
       </p:cxnSp>
+      <p:sp>
+        <p:nvSpPr>
+          <p:cNvPr id="31" name="圆角矩形 30"/>
+          <p:cNvSpPr/>
+          <p:nvPr/>
+        </p:nvSpPr>
+        <p:spPr>
+          <a:xfrm>
+            <a:off x="3356248" y="3113203"/>
+            <a:ext cx="1368152" cy="720080"/>
+          </a:xfrm>
+          <a:prstGeom prst="roundRect">
+            <a:avLst/>
+          </a:prstGeom>
+        </p:spPr>
+        <p:style>
+          <a:lnRef idx="2">
+            <a:schemeClr val="accent1">
+              <a:shade val="50000"/>
+            </a:schemeClr>
+          </a:lnRef>
+          <a:fillRef idx="1">
+            <a:schemeClr val="accent1"/>
+          </a:fillRef>
+          <a:effectRef idx="0">
+            <a:schemeClr val="accent1"/>
+          </a:effectRef>
+          <a:fontRef idx="minor">
+            <a:schemeClr val="lt1"/>
+          </a:fontRef>
+        </p:style>
+        <p:txBody>
+          <a:bodyPr rtlCol="0" anchor="ctr"/>
+          <a:lstStyle/>
+          <a:p>
+            <a:pPr algn="ctr"/>
+            <a:r>
+              <a:rPr lang="en-US" altLang="zh-CN" dirty="0" smtClean="0"/>
+              <a:t>Fetch </a:t>
+            </a:r>
+            <a:r>
+              <a:rPr lang="en-US" altLang="zh-CN" dirty="0" smtClean="0"/>
+              <a:t>Job</a:t>
+            </a:r>
+            <a:endParaRPr lang="zh-CN" altLang="en-US" dirty="0"/>
+          </a:p>
+        </p:txBody>
+      </p:sp>
+      <p:cxnSp>
+        <p:nvCxnSpPr>
+          <p:cNvPr id="13" name="肘形连接符 12"/>
+          <p:cNvCxnSpPr>
+            <a:endCxn id="31" idx="3"/>
+          </p:cNvCxnSpPr>
+          <p:nvPr/>
+        </p:nvCxnSpPr>
+        <p:spPr>
+          <a:xfrm rot="5400000">
+            <a:off x="4662083" y="3131278"/>
+            <a:ext cx="404282" cy="279648"/>
+          </a:xfrm>
+          <a:prstGeom prst="bentConnector2">
+            <a:avLst/>
+          </a:prstGeom>
+          <a:ln>
+            <a:tailEnd type="arrow"/>
+          </a:ln>
+        </p:spPr>
+        <p:style>
+          <a:lnRef idx="1">
+            <a:schemeClr val="accent1"/>
+          </a:lnRef>
+          <a:fillRef idx="0">
+            <a:schemeClr val="accent1"/>
+          </a:fillRef>
+          <a:effectRef idx="0">
+            <a:schemeClr val="accent1"/>
+          </a:effectRef>
+          <a:fontRef idx="minor">
+            <a:schemeClr val="tx1"/>
+          </a:fontRef>
+        </p:style>
+      </p:cxnSp>
     </p:spTree>
     <p:extLst>
       <p:ext uri="{BB962C8B-B14F-4D97-AF65-F5344CB8AC3E}">
@@ -16203,6 +16282,207 @@
 </file>
 
 <file path=ppt/slides/slide6.xml><?xml version="1.0" encoding="utf-8"?>
+<p:sld xmlns:a="http://schemas.openxmlformats.org/drawingml/2006/main" xmlns:r="http://schemas.openxmlformats.org/officeDocument/2006/relationships" xmlns:p="http://schemas.openxmlformats.org/presentationml/2006/main">
+  <p:cSld>
+    <p:spTree>
+      <p:nvGrpSpPr>
+        <p:cNvPr id="1" name=""/>
+        <p:cNvGrpSpPr/>
+        <p:nvPr/>
+      </p:nvGrpSpPr>
+      <p:grpSpPr>
+        <a:xfrm>
+          <a:off x="0" y="0"/>
+          <a:ext cx="0" cy="0"/>
+          <a:chOff x="0" y="0"/>
+          <a:chExt cx="0" cy="0"/>
+        </a:xfrm>
+      </p:grpSpPr>
+      <p:sp>
+        <p:nvSpPr>
+          <p:cNvPr id="2" name="标题 1"/>
+          <p:cNvSpPr>
+            <a:spLocks noGrp="1"/>
+          </p:cNvSpPr>
+          <p:nvPr>
+            <p:ph type="title"/>
+          </p:nvPr>
+        </p:nvSpPr>
+        <p:spPr/>
+        <p:txBody>
+          <a:bodyPr/>
+          <a:lstStyle/>
+          <a:p>
+            <a:r>
+              <a:rPr lang="en-US" altLang="zh-CN" dirty="0" smtClean="0"/>
+              <a:t>Job</a:t>
+            </a:r>
+            <a:r>
+              <a:rPr lang="zh-CN" altLang="en-US" dirty="0" smtClean="0"/>
+              <a:t>优先级确定方法</a:t>
+            </a:r>
+            <a:endParaRPr lang="zh-CN" altLang="en-US" dirty="0"/>
+          </a:p>
+        </p:txBody>
+      </p:sp>
+      <p:sp>
+        <p:nvSpPr>
+          <p:cNvPr id="3" name="内容占位符 2"/>
+          <p:cNvSpPr>
+            <a:spLocks noGrp="1"/>
+          </p:cNvSpPr>
+          <p:nvPr>
+            <p:ph idx="1"/>
+          </p:nvPr>
+        </p:nvSpPr>
+        <p:spPr/>
+        <p:txBody>
+          <a:bodyPr/>
+          <a:lstStyle/>
+          <a:p>
+            <a:r>
+              <a:rPr lang="en-US" altLang="zh-CN" dirty="0" smtClean="0"/>
+              <a:t>ActivateJob</a:t>
+            </a:r>
+            <a:r>
+              <a:rPr lang="zh-CN" altLang="en-US" dirty="0" smtClean="0"/>
+              <a:t>具有最高优先级，为</a:t>
+            </a:r>
+            <a:r>
+              <a:rPr lang="en-US" altLang="zh-CN" dirty="0" smtClean="0"/>
+              <a:t>10</a:t>
+            </a:r>
+          </a:p>
+          <a:p>
+            <a:r>
+              <a:rPr lang="en-US" altLang="zh-CN" dirty="0" smtClean="0"/>
+              <a:t>ActivateJob</a:t>
+            </a:r>
+            <a:r>
+              <a:rPr lang="zh-CN" altLang="en-US" dirty="0" smtClean="0"/>
+              <a:t>创建的</a:t>
+            </a:r>
+            <a:r>
+              <a:rPr lang="en-US" altLang="zh-CN" dirty="0" smtClean="0"/>
+              <a:t>SearchJob</a:t>
+            </a:r>
+            <a:r>
+              <a:rPr lang="zh-CN" altLang="en-US" dirty="0" smtClean="0"/>
+              <a:t>优先级为</a:t>
+            </a:r>
+            <a:r>
+              <a:rPr lang="en-US" altLang="zh-CN" dirty="0" smtClean="0"/>
+              <a:t>9</a:t>
+            </a:r>
+          </a:p>
+          <a:p>
+            <a:r>
+              <a:rPr lang="en-US" altLang="zh-CN" dirty="0" smtClean="0"/>
+              <a:t>SearchJob</a:t>
+            </a:r>
+            <a:r>
+              <a:rPr lang="zh-CN" altLang="en-US" dirty="0" smtClean="0"/>
+              <a:t>创建的</a:t>
+            </a:r>
+            <a:r>
+              <a:rPr lang="en-US" altLang="zh-CN" dirty="0" smtClean="0"/>
+              <a:t>FetchJob</a:t>
+            </a:r>
+            <a:r>
+              <a:rPr lang="zh-CN" altLang="en-US" dirty="0" smtClean="0"/>
+              <a:t>和</a:t>
+            </a:r>
+            <a:r>
+              <a:rPr lang="en-US" altLang="zh-CN" dirty="0" smtClean="0"/>
+              <a:t>SearchJob</a:t>
+            </a:r>
+            <a:r>
+              <a:rPr lang="zh-CN" altLang="en-US" dirty="0" smtClean="0"/>
+              <a:t>具有相同的优先级</a:t>
+            </a:r>
+            <a:endParaRPr lang="en-US" altLang="zh-CN" dirty="0" smtClean="0"/>
+          </a:p>
+          <a:p>
+            <a:r>
+              <a:rPr lang="en-US" altLang="zh-CN" dirty="0" smtClean="0"/>
+              <a:t>SearchJob</a:t>
+            </a:r>
+            <a:r>
+              <a:rPr lang="zh-CN" altLang="en-US" dirty="0" smtClean="0"/>
+              <a:t>创建的</a:t>
+            </a:r>
+            <a:r>
+              <a:rPr lang="en-US" altLang="zh-CN" dirty="0" smtClean="0"/>
+              <a:t>KeywordSelectJob</a:t>
+            </a:r>
+            <a:r>
+              <a:rPr lang="zh-CN" altLang="en-US" dirty="0" smtClean="0"/>
+              <a:t>和</a:t>
+            </a:r>
+            <a:r>
+              <a:rPr lang="en-US" altLang="zh-CN" dirty="0" smtClean="0"/>
+              <a:t>FilterJob</a:t>
+            </a:r>
+            <a:r>
+              <a:rPr lang="zh-CN" altLang="en-US" dirty="0" smtClean="0"/>
+              <a:t>的优先级为</a:t>
+            </a:r>
+            <a:r>
+              <a:rPr lang="en-US" altLang="zh-CN" dirty="0" smtClean="0"/>
+              <a:t>SearchJob</a:t>
+            </a:r>
+            <a:r>
+              <a:rPr lang="zh-CN" altLang="en-US" dirty="0" smtClean="0"/>
+              <a:t>的优先级减</a:t>
+            </a:r>
+            <a:r>
+              <a:rPr lang="en-US" altLang="zh-CN" dirty="0" smtClean="0"/>
+              <a:t>1</a:t>
+            </a:r>
+          </a:p>
+          <a:p>
+            <a:r>
+              <a:rPr lang="en-US" altLang="zh-CN" dirty="0" smtClean="0"/>
+              <a:t>KeywordSelectJob</a:t>
+            </a:r>
+            <a:r>
+              <a:rPr lang="zh-CN" altLang="en-US" dirty="0" smtClean="0"/>
+              <a:t>创建的</a:t>
+            </a:r>
+            <a:r>
+              <a:rPr lang="en-US" altLang="zh-CN" dirty="0" smtClean="0"/>
+              <a:t>SearchJob</a:t>
+            </a:r>
+            <a:r>
+              <a:rPr lang="zh-CN" altLang="en-US" dirty="0" smtClean="0"/>
+              <a:t>和</a:t>
+            </a:r>
+            <a:r>
+              <a:rPr lang="en-US" altLang="zh-CN" dirty="0"/>
+              <a:t>KeywordSelectJob</a:t>
+            </a:r>
+            <a:r>
+              <a:rPr lang="zh-CN" altLang="en-US" dirty="0" smtClean="0"/>
+              <a:t>具有相同优先级</a:t>
+            </a:r>
+            <a:endParaRPr lang="zh-CN" altLang="en-US" dirty="0"/>
+          </a:p>
+        </p:txBody>
+      </p:sp>
+    </p:spTree>
+    <p:extLst>
+      <p:ext uri="{BB962C8B-B14F-4D97-AF65-F5344CB8AC3E}">
+        <p14:creationId xmlns:p14="http://schemas.microsoft.com/office/powerpoint/2010/main" val="2733644280"/>
+      </p:ext>
+    </p:extLst>
+  </p:cSld>
+  <p:clrMapOvr>
+    <a:masterClrMapping/>
+  </p:clrMapOvr>
+</p:sld>
+</file>
+
+<file path=ppt/slides/slide7.xml><?xml version="1.0" encoding="utf-8"?>
 <p:sld xmlns:a="http://schemas.openxmlformats.org/drawingml/2006/main" xmlns:r="http://schemas.openxmlformats.org/officeDocument/2006/relationships" xmlns:p="http://schemas.openxmlformats.org/presentationml/2006/main">
   <p:cSld>
     <p:spTree>
@@ -17214,7 +17494,7 @@
 </p:sld>
 </file>
 
-<file path=ppt/slides/slide7.xml><?xml version="1.0" encoding="utf-8"?>
+<file path=ppt/slides/slide8.xml><?xml version="1.0" encoding="utf-8"?>
 <p:sld xmlns:a="http://schemas.openxmlformats.org/drawingml/2006/main" xmlns:r="http://schemas.openxmlformats.org/officeDocument/2006/relationships" xmlns:p="http://schemas.openxmlformats.org/presentationml/2006/main">
   <p:cSld>
     <p:spTree>
@@ -18353,7 +18633,7 @@
 </p:sld>
 </file>
 
-<file path=ppt/slides/slide8.xml><?xml version="1.0" encoding="utf-8"?>
+<file path=ppt/slides/slide9.xml><?xml version="1.0" encoding="utf-8"?>
 <p:sld xmlns:a="http://schemas.openxmlformats.org/drawingml/2006/main" xmlns:r="http://schemas.openxmlformats.org/officeDocument/2006/relationships" xmlns:p="http://schemas.openxmlformats.org/presentationml/2006/main">
   <p:cSld>
     <p:spTree>
@@ -18469,7 +18749,7 @@
               <a:t>Depth&gt;=3</a:t>
             </a:r>
             <a:r>
-              <a:rPr lang="zh-CN" altLang="en-US" smtClean="0"/>
+              <a:rPr lang="zh-CN" altLang="en-US" dirty="0" smtClean="0"/>
               <a:t>的不再入队</a:t>
             </a:r>
             <a:endParaRPr lang="zh-CN" altLang="en-US" dirty="0"/>

--- a/CSharp/EWorm/EWorm.Crawler/Eworm爬虫算法设计.pptx
+++ b/CSharp/EWorm/EWorm.Crawler/Eworm爬虫算法设计.pptx
@@ -17534,8 +17534,8 @@
           </a:p>
         </p:txBody>
       </p:sp>
-      <mc:AlternateContent xmlns:mc="http://schemas.openxmlformats.org/markup-compatibility/2006" xmlns:a14="http://schemas.microsoft.com/office/drawing/2010/main">
-        <mc:Choice Requires="a14">
+      <mc:AlternateContent xmlns:mc="http://schemas.openxmlformats.org/markup-compatibility/2006">
+        <mc:Choice xmlns:a14="http://schemas.microsoft.com/office/drawing/2010/main" Requires="a14">
           <p:sp>
             <p:nvSpPr>
               <p:cNvPr id="3" name="内容占位符 2"/>
@@ -18322,12 +18322,16 @@
                   <a:t>缓存池里的前</a:t>
                 </a:r>
                 <a:r>
-                  <a:rPr lang="en-US" altLang="zh-CN" dirty="0" smtClean="0"/>
-                  <a:t>50</a:t>
+                  <a:rPr lang="en-US" altLang="zh-CN" smtClean="0"/>
+                  <a:t>50%</a:t>
+                </a:r>
+                <a:r>
+                  <a:rPr lang="zh-CN" altLang="en-US" smtClean="0"/>
+                  <a:t>记录</a:t>
                 </a:r>
                 <a:r>
                   <a:rPr lang="zh-CN" altLang="en-US" dirty="0" smtClean="0"/>
-                  <a:t>条记录（根据</a:t>
+                  <a:t>（根据</a:t>
                 </a:r>
                 <a14:m>
                   <m:oMath xmlns:m="http://schemas.openxmlformats.org/officeDocument/2006/math">
@@ -18367,7 +18371,7 @@
             </p:txBody>
           </p:sp>
         </mc:Choice>
-        <mc:Fallback xmlns="">
+        <mc:Fallback>
           <p:sp>
             <p:nvSpPr>
               <p:cNvPr id="3" name="内容占位符 2"/>

--- a/CSharp/EWorm/EWorm.Crawler/Eworm爬虫算法设计.pptx
+++ b/CSharp/EWorm/EWorm.Crawler/Eworm爬虫算法设计.pptx
@@ -2872,7 +2872,7 @@
           <a:p>
             <a:fld id="{B983F1F2-4DD3-448A-9335-87264D83D09E}" type="datetimeFigureOut">
               <a:rPr lang="zh-CN" altLang="en-US" smtClean="0"/>
-              <a:t>2012/5/22</a:t>
+              <a:t>2012/5/28</a:t>
             </a:fld>
             <a:endParaRPr lang="zh-CN" altLang="en-US"/>
           </a:p>
@@ -3157,7 +3157,7 @@
           <a:p>
             <a:fld id="{B983F1F2-4DD3-448A-9335-87264D83D09E}" type="datetimeFigureOut">
               <a:rPr lang="zh-CN" altLang="en-US" smtClean="0"/>
-              <a:t>2012/5/22</a:t>
+              <a:t>2012/5/28</a:t>
             </a:fld>
             <a:endParaRPr lang="zh-CN" altLang="en-US"/>
           </a:p>
@@ -3332,7 +3332,7 @@
           <a:p>
             <a:fld id="{B983F1F2-4DD3-448A-9335-87264D83D09E}" type="datetimeFigureOut">
               <a:rPr lang="zh-CN" altLang="en-US" smtClean="0"/>
-              <a:t>2012/5/22</a:t>
+              <a:t>2012/5/28</a:t>
             </a:fld>
             <a:endParaRPr lang="zh-CN" altLang="en-US"/>
           </a:p>
@@ -3497,7 +3497,7 @@
           <a:p>
             <a:fld id="{B983F1F2-4DD3-448A-9335-87264D83D09E}" type="datetimeFigureOut">
               <a:rPr lang="zh-CN" altLang="en-US" smtClean="0"/>
-              <a:t>2012/5/22</a:t>
+              <a:t>2012/5/28</a:t>
             </a:fld>
             <a:endParaRPr lang="zh-CN" altLang="en-US"/>
           </a:p>
@@ -3738,7 +3738,7 @@
           <a:p>
             <a:fld id="{B983F1F2-4DD3-448A-9335-87264D83D09E}" type="datetimeFigureOut">
               <a:rPr lang="zh-CN" altLang="en-US" smtClean="0"/>
-              <a:t>2012/5/22</a:t>
+              <a:t>2012/5/28</a:t>
             </a:fld>
             <a:endParaRPr lang="zh-CN" altLang="en-US"/>
           </a:p>
@@ -3851,7 +3851,7 @@
           <a:p>
             <a:fld id="{B983F1F2-4DD3-448A-9335-87264D83D09E}" type="datetimeFigureOut">
               <a:rPr lang="zh-CN" altLang="en-US" smtClean="0"/>
-              <a:t>2012/5/22</a:t>
+              <a:t>2012/5/28</a:t>
             </a:fld>
             <a:endParaRPr lang="zh-CN" altLang="en-US"/>
           </a:p>
@@ -4390,7 +4390,7 @@
           <a:p>
             <a:fld id="{B983F1F2-4DD3-448A-9335-87264D83D09E}" type="datetimeFigureOut">
               <a:rPr lang="zh-CN" altLang="en-US" smtClean="0"/>
-              <a:t>2012/5/22</a:t>
+              <a:t>2012/5/28</a:t>
             </a:fld>
             <a:endParaRPr lang="zh-CN" altLang="en-US"/>
           </a:p>
@@ -4503,7 +4503,7 @@
           <a:p>
             <a:fld id="{B983F1F2-4DD3-448A-9335-87264D83D09E}" type="datetimeFigureOut">
               <a:rPr lang="zh-CN" altLang="en-US" smtClean="0"/>
-              <a:t>2012/5/22</a:t>
+              <a:t>2012/5/28</a:t>
             </a:fld>
             <a:endParaRPr lang="zh-CN" altLang="en-US"/>
           </a:p>
@@ -4593,7 +4593,7 @@
           <a:p>
             <a:fld id="{B983F1F2-4DD3-448A-9335-87264D83D09E}" type="datetimeFigureOut">
               <a:rPr lang="zh-CN" altLang="en-US" smtClean="0"/>
-              <a:t>2012/5/22</a:t>
+              <a:t>2012/5/28</a:t>
             </a:fld>
             <a:endParaRPr lang="zh-CN" altLang="en-US"/>
           </a:p>
@@ -7244,7 +7244,7 @@
           <a:p>
             <a:fld id="{B983F1F2-4DD3-448A-9335-87264D83D09E}" type="datetimeFigureOut">
               <a:rPr lang="zh-CN" altLang="en-US" smtClean="0"/>
-              <a:t>2012/5/22</a:t>
+              <a:t>2012/5/28</a:t>
             </a:fld>
             <a:endParaRPr lang="zh-CN" altLang="en-US"/>
           </a:p>
@@ -10456,7 +10456,7 @@
           <a:p>
             <a:fld id="{B983F1F2-4DD3-448A-9335-87264D83D09E}" type="datetimeFigureOut">
               <a:rPr lang="zh-CN" altLang="en-US" smtClean="0"/>
-              <a:t>2012/5/22</a:t>
+              <a:t>2012/5/28</a:t>
             </a:fld>
             <a:endParaRPr lang="zh-CN" altLang="en-US"/>
           </a:p>
@@ -13278,7 +13278,7 @@
           <a:p>
             <a:fld id="{B983F1F2-4DD3-448A-9335-87264D83D09E}" type="datetimeFigureOut">
               <a:rPr lang="zh-CN" altLang="en-US" smtClean="0"/>
-              <a:t>2012/5/22</a:t>
+              <a:t>2012/5/28</a:t>
             </a:fld>
             <a:endParaRPr lang="zh-CN" altLang="en-US"/>
           </a:p>
@@ -14012,15 +14012,7 @@
             </a:r>
             <a:r>
               <a:rPr lang="zh-CN" altLang="en-US" dirty="0" smtClean="0"/>
-              <a:t>有一个</a:t>
-            </a:r>
-            <a:r>
-              <a:rPr lang="zh-CN" altLang="en-US" dirty="0" smtClean="0"/>
-              <a:t>优先级如果</a:t>
-            </a:r>
-            <a:r>
-              <a:rPr lang="zh-CN" altLang="en-US" dirty="0" smtClean="0"/>
-              <a:t>有新的</a:t>
+              <a:t>有一个优先级如果有新的</a:t>
             </a:r>
             <a:r>
               <a:rPr lang="en-US" altLang="zh-CN" dirty="0" smtClean="0"/>
@@ -15200,8 +15192,8 @@
         </p:nvSpPr>
         <p:spPr>
           <a:xfrm>
-            <a:off x="1187624" y="2348880"/>
-            <a:ext cx="1944216" cy="720080"/>
+            <a:off x="6372200" y="1989008"/>
+            <a:ext cx="1583954" cy="720080"/>
           </a:xfrm>
           <a:prstGeom prst="roundRect">
             <a:avLst/>
@@ -15244,8 +15236,8 @@
         </p:nvSpPr>
         <p:spPr>
           <a:xfrm>
-            <a:off x="4572000" y="2348880"/>
-            <a:ext cx="1368152" cy="720080"/>
+            <a:off x="6372421" y="4743146"/>
+            <a:ext cx="1584176" cy="720080"/>
           </a:xfrm>
           <a:prstGeom prst="roundRect">
             <a:avLst/>
@@ -15274,52 +15266,12 @@
             <a:pPr algn="ctr"/>
             <a:r>
               <a:rPr lang="en-US" altLang="zh-CN" dirty="0" smtClean="0"/>
-              <a:t>Search </a:t>
-            </a:r>
-            <a:r>
-              <a:rPr lang="en-US" altLang="zh-CN" dirty="0" smtClean="0"/>
-              <a:t>Job</a:t>
+              <a:t>Search Job</a:t>
             </a:r>
             <a:endParaRPr lang="zh-CN" altLang="en-US" dirty="0"/>
           </a:p>
         </p:txBody>
       </p:sp>
-      <p:cxnSp>
-        <p:nvCxnSpPr>
-          <p:cNvPr id="6" name="直接箭头连接符 5"/>
-          <p:cNvCxnSpPr>
-            <a:stCxn id="3" idx="3"/>
-            <a:endCxn id="4" idx="1"/>
-          </p:cNvCxnSpPr>
-          <p:nvPr/>
-        </p:nvCxnSpPr>
-        <p:spPr>
-          <a:xfrm>
-            <a:off x="3131840" y="2708920"/>
-            <a:ext cx="1440160" cy="0"/>
-          </a:xfrm>
-          <a:prstGeom prst="straightConnector1">
-            <a:avLst/>
-          </a:prstGeom>
-          <a:ln>
-            <a:tailEnd type="arrow"/>
-          </a:ln>
-        </p:spPr>
-        <p:style>
-          <a:lnRef idx="2">
-            <a:schemeClr val="accent1"/>
-          </a:lnRef>
-          <a:fillRef idx="0">
-            <a:schemeClr val="accent1"/>
-          </a:fillRef>
-          <a:effectRef idx="1">
-            <a:schemeClr val="accent1"/>
-          </a:effectRef>
-          <a:fontRef idx="minor">
-            <a:schemeClr val="tx1"/>
-          </a:fontRef>
-        </p:style>
-      </p:cxnSp>
       <p:sp>
         <p:nvSpPr>
           <p:cNvPr id="9" name="单圆角矩形 8"/>
@@ -15328,7 +15280,7 @@
         </p:nvSpPr>
         <p:spPr>
           <a:xfrm>
-            <a:off x="1187624" y="3645024"/>
+            <a:off x="1187625" y="4149248"/>
             <a:ext cx="1944216" cy="792088"/>
           </a:xfrm>
           <a:prstGeom prst="round1Rect">
@@ -15379,7 +15331,7 @@
         </p:nvSpPr>
         <p:spPr>
           <a:xfrm>
-            <a:off x="1187624" y="5013176"/>
+            <a:off x="1187624" y="5229200"/>
             <a:ext cx="1944216" cy="792088"/>
           </a:xfrm>
           <a:prstGeom prst="round1Rect">
@@ -15427,7 +15379,7 @@
         </p:nvSpPr>
         <p:spPr>
           <a:xfrm>
-            <a:off x="6300192" y="5018402"/>
+            <a:off x="6372200" y="3429169"/>
             <a:ext cx="1584176" cy="720080"/>
           </a:xfrm>
           <a:prstGeom prst="roundRect">
@@ -15471,8 +15423,8 @@
         </p:nvSpPr>
         <p:spPr>
           <a:xfrm>
-            <a:off x="7370476" y="2564904"/>
-            <a:ext cx="513892" cy="2088232"/>
+            <a:off x="3472210" y="2585822"/>
+            <a:ext cx="1531838" cy="609046"/>
           </a:xfrm>
           <a:prstGeom prst="round1Rect">
             <a:avLst/>
@@ -15505,192 +15457,6 @@
           </a:p>
         </p:txBody>
       </p:sp>
-      <p:cxnSp>
-        <p:nvCxnSpPr>
-          <p:cNvPr id="14" name="直接箭头连接符 13"/>
-          <p:cNvCxnSpPr>
-            <a:stCxn id="12" idx="2"/>
-          </p:cNvCxnSpPr>
-          <p:nvPr/>
-        </p:nvCxnSpPr>
-        <p:spPr>
-          <a:xfrm>
-            <a:off x="7627422" y="4653136"/>
-            <a:ext cx="0" cy="360040"/>
-          </a:xfrm>
-          <a:prstGeom prst="straightConnector1">
-            <a:avLst/>
-          </a:prstGeom>
-          <a:ln>
-            <a:tailEnd type="arrow"/>
-          </a:ln>
-        </p:spPr>
-        <p:style>
-          <a:lnRef idx="2">
-            <a:schemeClr val="accent5"/>
-          </a:lnRef>
-          <a:fillRef idx="0">
-            <a:schemeClr val="accent5"/>
-          </a:fillRef>
-          <a:effectRef idx="1">
-            <a:schemeClr val="accent5"/>
-          </a:effectRef>
-          <a:fontRef idx="minor">
-            <a:schemeClr val="tx1"/>
-          </a:fontRef>
-        </p:style>
-      </p:cxnSp>
-      <p:cxnSp>
-        <p:nvCxnSpPr>
-          <p:cNvPr id="16" name="肘形连接符 15"/>
-          <p:cNvCxnSpPr>
-            <a:stCxn id="11" idx="1"/>
-            <a:endCxn id="4" idx="2"/>
-          </p:cNvCxnSpPr>
-          <p:nvPr/>
-        </p:nvCxnSpPr>
-        <p:spPr>
-          <a:xfrm rot="10800000">
-            <a:off x="5256076" y="3068960"/>
-            <a:ext cx="1044116" cy="2309482"/>
-          </a:xfrm>
-          <a:prstGeom prst="bentConnector2">
-            <a:avLst/>
-          </a:prstGeom>
-          <a:ln>
-            <a:tailEnd type="arrow"/>
-          </a:ln>
-        </p:spPr>
-        <p:style>
-          <a:lnRef idx="1">
-            <a:schemeClr val="accent1"/>
-          </a:lnRef>
-          <a:fillRef idx="0">
-            <a:schemeClr val="accent1"/>
-          </a:fillRef>
-          <a:effectRef idx="0">
-            <a:schemeClr val="accent1"/>
-          </a:effectRef>
-          <a:fontRef idx="minor">
-            <a:schemeClr val="tx1"/>
-          </a:fontRef>
-        </p:style>
-      </p:cxnSp>
-      <p:cxnSp>
-        <p:nvCxnSpPr>
-          <p:cNvPr id="18" name="直接箭头连接符 17"/>
-          <p:cNvCxnSpPr>
-            <a:stCxn id="4" idx="0"/>
-            <a:endCxn id="12" idx="0"/>
-          </p:cNvCxnSpPr>
-          <p:nvPr/>
-        </p:nvCxnSpPr>
-        <p:spPr>
-          <a:xfrm rot="16200000" flipH="1">
-            <a:off x="6333737" y="1271219"/>
-            <a:ext cx="216024" cy="2371346"/>
-          </a:xfrm>
-          <a:prstGeom prst="bentConnector3">
-            <a:avLst>
-              <a:gd name="adj1" fmla="val -105822"/>
-            </a:avLst>
-          </a:prstGeom>
-          <a:ln>
-            <a:tailEnd type="arrow"/>
-          </a:ln>
-        </p:spPr>
-        <p:style>
-          <a:lnRef idx="2">
-            <a:schemeClr val="accent5"/>
-          </a:lnRef>
-          <a:fillRef idx="0">
-            <a:schemeClr val="accent5"/>
-          </a:fillRef>
-          <a:effectRef idx="1">
-            <a:schemeClr val="accent5"/>
-          </a:effectRef>
-          <a:fontRef idx="minor">
-            <a:schemeClr val="tx1"/>
-          </a:fontRef>
-        </p:style>
-      </p:cxnSp>
-      <p:sp>
-        <p:nvSpPr>
-          <p:cNvPr id="26" name="TextBox 25"/>
-          <p:cNvSpPr txBox="1"/>
-          <p:nvPr/>
-        </p:nvSpPr>
-        <p:spPr>
-          <a:xfrm>
-            <a:off x="6697106" y="1412776"/>
-            <a:ext cx="646331" cy="369332"/>
-          </a:xfrm>
-          <a:prstGeom prst="rect">
-            <a:avLst/>
-          </a:prstGeom>
-          <a:noFill/>
-        </p:spPr>
-        <p:txBody>
-          <a:bodyPr wrap="none" rtlCol="0">
-            <a:spAutoFit/>
-          </a:bodyPr>
-          <a:lstStyle/>
-          <a:p>
-            <a:r>
-              <a:rPr lang="zh-CN" altLang="en-US" dirty="0">
-                <a:solidFill>
-                  <a:schemeClr val="accent6">
-                    <a:lumMod val="50000"/>
-                  </a:schemeClr>
-                </a:solidFill>
-              </a:rPr>
-              <a:t>提取</a:t>
-            </a:r>
-          </a:p>
-        </p:txBody>
-      </p:sp>
-      <p:sp>
-        <p:nvSpPr>
-          <p:cNvPr id="27" name="TextBox 26"/>
-          <p:cNvSpPr txBox="1"/>
-          <p:nvPr/>
-        </p:nvSpPr>
-        <p:spPr>
-          <a:xfrm>
-            <a:off x="5220072" y="5373216"/>
-            <a:ext cx="1107996" cy="369332"/>
-          </a:xfrm>
-          <a:prstGeom prst="rect">
-            <a:avLst/>
-          </a:prstGeom>
-          <a:noFill/>
-        </p:spPr>
-        <p:txBody>
-          <a:bodyPr wrap="none" rtlCol="0">
-            <a:spAutoFit/>
-          </a:bodyPr>
-          <a:lstStyle/>
-          <a:p>
-            <a:r>
-              <a:rPr lang="zh-CN" altLang="en-US" dirty="0" smtClean="0">
-                <a:solidFill>
-                  <a:schemeClr val="bg2">
-                    <a:lumMod val="50000"/>
-                  </a:schemeClr>
-                </a:solidFill>
-              </a:rPr>
-              <a:t>抽取产生</a:t>
-            </a:r>
-            <a:endParaRPr lang="zh-CN" altLang="en-US" dirty="0">
-              <a:solidFill>
-                <a:schemeClr val="bg2">
-                  <a:lumMod val="50000"/>
-                </a:schemeClr>
-              </a:solidFill>
-            </a:endParaRPr>
-          </a:p>
-        </p:txBody>
-      </p:sp>
       <p:sp>
         <p:nvSpPr>
           <p:cNvPr id="28" name="圆角矩形 27"/>
@@ -15699,8 +15465,8 @@
         </p:nvSpPr>
         <p:spPr>
           <a:xfrm>
-            <a:off x="3563888" y="4365104"/>
-            <a:ext cx="1368152" cy="720080"/>
+            <a:off x="3419872" y="4743146"/>
+            <a:ext cx="1584176" cy="720080"/>
           </a:xfrm>
           <a:prstGeom prst="roundRect">
             <a:avLst/>
@@ -15746,8 +15512,8 @@
         </p:nvCxnSpPr>
         <p:spPr>
           <a:xfrm>
-            <a:off x="3131840" y="4041068"/>
-            <a:ext cx="1116124" cy="324036"/>
+            <a:off x="3131841" y="4545292"/>
+            <a:ext cx="1080119" cy="197854"/>
           </a:xfrm>
           <a:prstGeom prst="bentConnector2">
             <a:avLst/>
@@ -15782,8 +15548,8 @@
         </p:nvCxnSpPr>
         <p:spPr>
           <a:xfrm rot="5400000">
-            <a:off x="3527884" y="4689140"/>
-            <a:ext cx="324036" cy="1116124"/>
+            <a:off x="3590891" y="5004175"/>
+            <a:ext cx="162018" cy="1080120"/>
           </a:xfrm>
           <a:prstGeom prst="bentConnector2">
             <a:avLst/>
@@ -15807,86 +15573,6 @@
           </a:fontRef>
         </p:style>
       </p:cxnSp>
-      <p:cxnSp>
-        <p:nvCxnSpPr>
-          <p:cNvPr id="36" name="肘形连接符 35"/>
-          <p:cNvCxnSpPr>
-            <a:stCxn id="4" idx="3"/>
-            <a:endCxn id="28" idx="3"/>
-          </p:cNvCxnSpPr>
-          <p:nvPr/>
-        </p:nvCxnSpPr>
-        <p:spPr>
-          <a:xfrm flipH="1">
-            <a:off x="4932040" y="2708920"/>
-            <a:ext cx="1008112" cy="2016224"/>
-          </a:xfrm>
-          <a:prstGeom prst="bentConnector3">
-            <a:avLst>
-              <a:gd name="adj1" fmla="val -22676"/>
-            </a:avLst>
-          </a:prstGeom>
-          <a:ln>
-            <a:tailEnd type="arrow"/>
-          </a:ln>
-        </p:spPr>
-        <p:style>
-          <a:lnRef idx="1">
-            <a:schemeClr val="accent1"/>
-          </a:lnRef>
-          <a:fillRef idx="0">
-            <a:schemeClr val="accent1"/>
-          </a:fillRef>
-          <a:effectRef idx="0">
-            <a:schemeClr val="accent1"/>
-          </a:effectRef>
-          <a:fontRef idx="minor">
-            <a:schemeClr val="tx1"/>
-          </a:fontRef>
-        </p:style>
-      </p:cxnSp>
-      <p:sp>
-        <p:nvSpPr>
-          <p:cNvPr id="37" name="TextBox 36"/>
-          <p:cNvSpPr txBox="1"/>
-          <p:nvPr/>
-        </p:nvSpPr>
-        <p:spPr>
-          <a:xfrm>
-            <a:off x="6429399" y="2770709"/>
-            <a:ext cx="461665" cy="1246495"/>
-          </a:xfrm>
-          <a:prstGeom prst="rect">
-            <a:avLst/>
-          </a:prstGeom>
-          <a:noFill/>
-        </p:spPr>
-        <p:txBody>
-          <a:bodyPr vert="eaVert" wrap="none" rtlCol="0">
-            <a:spAutoFit/>
-          </a:bodyPr>
-          <a:lstStyle/>
-          <a:p>
-            <a:r>
-              <a:rPr lang="zh-CN" altLang="en-US" dirty="0" smtClean="0">
-                <a:solidFill>
-                  <a:schemeClr val="bg2">
-                    <a:lumMod val="50000"/>
-                  </a:schemeClr>
-                </a:solidFill>
-              </a:rPr>
-              <a:t>完成后产生</a:t>
-            </a:r>
-            <a:endParaRPr lang="zh-CN" altLang="en-US" dirty="0">
-              <a:solidFill>
-                <a:schemeClr val="bg2">
-                  <a:lumMod val="50000"/>
-                </a:schemeClr>
-              </a:solidFill>
-            </a:endParaRPr>
-          </a:p>
-        </p:txBody>
-      </p:sp>
       <p:sp>
         <p:nvSpPr>
           <p:cNvPr id="38" name="圆角矩形 37"/>
@@ -16115,42 +15801,6 @@
       </p:sp>
       <p:cxnSp>
         <p:nvCxnSpPr>
-          <p:cNvPr id="53" name="肘形连接符 52"/>
-          <p:cNvCxnSpPr>
-            <a:stCxn id="4" idx="3"/>
-            <a:endCxn id="11" idx="0"/>
-          </p:cNvCxnSpPr>
-          <p:nvPr/>
-        </p:nvCxnSpPr>
-        <p:spPr>
-          <a:xfrm>
-            <a:off x="5940152" y="2708920"/>
-            <a:ext cx="1152128" cy="2309482"/>
-          </a:xfrm>
-          <a:prstGeom prst="bentConnector2">
-            <a:avLst/>
-          </a:prstGeom>
-          <a:ln>
-            <a:tailEnd type="arrow"/>
-          </a:ln>
-        </p:spPr>
-        <p:style>
-          <a:lnRef idx="1">
-            <a:schemeClr val="accent1"/>
-          </a:lnRef>
-          <a:fillRef idx="0">
-            <a:schemeClr val="accent1"/>
-          </a:fillRef>
-          <a:effectRef idx="0">
-            <a:schemeClr val="accent1"/>
-          </a:effectRef>
-          <a:fontRef idx="minor">
-            <a:schemeClr val="tx1"/>
-          </a:fontRef>
-        </p:style>
-      </p:cxnSp>
-      <p:cxnSp>
-        <p:nvCxnSpPr>
           <p:cNvPr id="29" name="肘形连接符 28"/>
           <p:cNvCxnSpPr>
             <a:stCxn id="31" idx="1"/>
@@ -16160,8 +15810,8 @@
         </p:nvCxnSpPr>
         <p:spPr>
           <a:xfrm rot="10800000" flipV="1">
-            <a:off x="2159732" y="3473242"/>
-            <a:ext cx="1196516" cy="171781"/>
+            <a:off x="2159734" y="3789208"/>
+            <a:ext cx="1248013" cy="360040"/>
           </a:xfrm>
           <a:prstGeom prst="bentConnector2">
             <a:avLst/>
@@ -16193,8 +15843,8 @@
         </p:nvSpPr>
         <p:spPr>
           <a:xfrm>
-            <a:off x="3356248" y="3113203"/>
-            <a:ext cx="1368152" cy="720080"/>
+            <a:off x="3407746" y="3429168"/>
+            <a:ext cx="1584176" cy="720080"/>
           </a:xfrm>
           <a:prstGeom prst="roundRect">
             <a:avLst/>
@@ -16223,11 +15873,7 @@
             <a:pPr algn="ctr"/>
             <a:r>
               <a:rPr lang="en-US" altLang="zh-CN" dirty="0" smtClean="0"/>
-              <a:t>Fetch </a:t>
-            </a:r>
-            <a:r>
-              <a:rPr lang="en-US" altLang="zh-CN" dirty="0" smtClean="0"/>
-              <a:t>Job</a:t>
+              <a:t>Fetch Job</a:t>
             </a:r>
             <a:endParaRPr lang="zh-CN" altLang="en-US" dirty="0"/>
           </a:p>
@@ -16235,21 +15881,61 @@
       </p:sp>
       <p:cxnSp>
         <p:nvCxnSpPr>
-          <p:cNvPr id="13" name="肘形连接符 12"/>
+          <p:cNvPr id="90" name="直接箭头连接符 89"/>
           <p:cNvCxnSpPr>
-            <a:endCxn id="31" idx="3"/>
+            <a:stCxn id="3" idx="1"/>
+            <a:endCxn id="12" idx="0"/>
           </p:cNvCxnSpPr>
           <p:nvPr/>
         </p:nvCxnSpPr>
         <p:spPr>
-          <a:xfrm rot="5400000">
-            <a:off x="4662083" y="3131278"/>
-            <a:ext cx="404282" cy="279648"/>
+          <a:xfrm rot="10800000" flipV="1">
+            <a:off x="4238130" y="2349048"/>
+            <a:ext cx="2134071" cy="236774"/>
           </a:xfrm>
           <a:prstGeom prst="bentConnector2">
             <a:avLst/>
           </a:prstGeom>
           <a:ln>
+            <a:tailEnd type="arrow"/>
+          </a:ln>
+        </p:spPr>
+        <p:style>
+          <a:lnRef idx="2">
+            <a:schemeClr val="accent5"/>
+          </a:lnRef>
+          <a:fillRef idx="0">
+            <a:schemeClr val="accent5"/>
+          </a:fillRef>
+          <a:effectRef idx="1">
+            <a:schemeClr val="accent5"/>
+          </a:effectRef>
+          <a:fontRef idx="minor">
+            <a:schemeClr val="tx1"/>
+          </a:fontRef>
+        </p:style>
+      </p:cxnSp>
+      <p:cxnSp>
+        <p:nvCxnSpPr>
+          <p:cNvPr id="94" name="直接箭头连接符 93"/>
+          <p:cNvCxnSpPr>
+            <a:stCxn id="3" idx="2"/>
+            <a:endCxn id="11" idx="0"/>
+          </p:cNvCxnSpPr>
+          <p:nvPr/>
+        </p:nvCxnSpPr>
+        <p:spPr>
+          <a:xfrm rot="16200000" flipH="1">
+            <a:off x="6804192" y="3069072"/>
+            <a:ext cx="720081" cy="111"/>
+          </a:xfrm>
+          <a:prstGeom prst="bentConnector3">
+            <a:avLst>
+              <a:gd name="adj1" fmla="val 50000"/>
+            </a:avLst>
+          </a:prstGeom>
+          <a:ln w="19050">
+            <a:prstDash val="dash"/>
             <a:tailEnd type="arrow"/>
           </a:ln>
         </p:spPr>
@@ -16268,6 +15954,403 @@
           </a:fontRef>
         </p:style>
       </p:cxnSp>
+      <p:cxnSp>
+        <p:nvCxnSpPr>
+          <p:cNvPr id="96" name="肘形连接符 95"/>
+          <p:cNvCxnSpPr>
+            <a:stCxn id="11" idx="2"/>
+            <a:endCxn id="4" idx="0"/>
+          </p:cNvCxnSpPr>
+          <p:nvPr/>
+        </p:nvCxnSpPr>
+        <p:spPr>
+          <a:xfrm rot="16200000" flipH="1">
+            <a:off x="6867450" y="4446086"/>
+            <a:ext cx="593897" cy="221"/>
+          </a:xfrm>
+          <a:prstGeom prst="bentConnector3">
+            <a:avLst/>
+          </a:prstGeom>
+          <a:ln w="19050">
+            <a:prstDash val="dash"/>
+            <a:tailEnd type="arrow"/>
+          </a:ln>
+        </p:spPr>
+        <p:style>
+          <a:lnRef idx="1">
+            <a:schemeClr val="accent1"/>
+          </a:lnRef>
+          <a:fillRef idx="0">
+            <a:schemeClr val="accent1"/>
+          </a:fillRef>
+          <a:effectRef idx="0">
+            <a:schemeClr val="accent1"/>
+          </a:effectRef>
+          <a:fontRef idx="minor">
+            <a:schemeClr val="tx1"/>
+          </a:fontRef>
+        </p:style>
+      </p:cxnSp>
+      <p:cxnSp>
+        <p:nvCxnSpPr>
+          <p:cNvPr id="129" name="直接箭头连接符 128"/>
+          <p:cNvCxnSpPr>
+            <a:stCxn id="4" idx="1"/>
+            <a:endCxn id="28" idx="3"/>
+          </p:cNvCxnSpPr>
+          <p:nvPr/>
+        </p:nvCxnSpPr>
+        <p:spPr>
+          <a:xfrm flipH="1">
+            <a:off x="5004048" y="5103186"/>
+            <a:ext cx="1368373" cy="0"/>
+          </a:xfrm>
+          <a:prstGeom prst="straightConnector1">
+            <a:avLst/>
+          </a:prstGeom>
+          <a:ln w="19050">
+            <a:prstDash val="dash"/>
+            <a:tailEnd type="arrow"/>
+          </a:ln>
+        </p:spPr>
+        <p:style>
+          <a:lnRef idx="1">
+            <a:schemeClr val="accent1"/>
+          </a:lnRef>
+          <a:fillRef idx="0">
+            <a:schemeClr val="accent1"/>
+          </a:fillRef>
+          <a:effectRef idx="0">
+            <a:schemeClr val="accent1"/>
+          </a:effectRef>
+          <a:fontRef idx="minor">
+            <a:schemeClr val="tx1"/>
+          </a:fontRef>
+        </p:style>
+      </p:cxnSp>
+      <p:cxnSp>
+        <p:nvCxnSpPr>
+          <p:cNvPr id="131" name="肘形连接符 130"/>
+          <p:cNvCxnSpPr>
+            <a:stCxn id="4" idx="1"/>
+            <a:endCxn id="31" idx="3"/>
+          </p:cNvCxnSpPr>
+          <p:nvPr/>
+        </p:nvCxnSpPr>
+        <p:spPr>
+          <a:xfrm rot="10800000">
+            <a:off x="4991923" y="3789208"/>
+            <a:ext cx="1380499" cy="1313978"/>
+          </a:xfrm>
+          <a:prstGeom prst="bentConnector3">
+            <a:avLst>
+              <a:gd name="adj1" fmla="val 64572"/>
+            </a:avLst>
+          </a:prstGeom>
+          <a:ln w="19050">
+            <a:prstDash val="dash"/>
+            <a:tailEnd type="arrow"/>
+          </a:ln>
+        </p:spPr>
+        <p:style>
+          <a:lnRef idx="1">
+            <a:schemeClr val="accent1"/>
+          </a:lnRef>
+          <a:fillRef idx="0">
+            <a:schemeClr val="accent1"/>
+          </a:fillRef>
+          <a:effectRef idx="0">
+            <a:schemeClr val="accent1"/>
+          </a:effectRef>
+          <a:fontRef idx="minor">
+            <a:schemeClr val="tx1"/>
+          </a:fontRef>
+        </p:style>
+      </p:cxnSp>
+      <p:cxnSp>
+        <p:nvCxnSpPr>
+          <p:cNvPr id="136" name="肘形连接符 135"/>
+          <p:cNvCxnSpPr>
+            <a:stCxn id="4" idx="3"/>
+            <a:endCxn id="11" idx="3"/>
+          </p:cNvCxnSpPr>
+          <p:nvPr/>
+        </p:nvCxnSpPr>
+        <p:spPr>
+          <a:xfrm flipH="1" flipV="1">
+            <a:off x="7956376" y="3789209"/>
+            <a:ext cx="221" cy="1313977"/>
+          </a:xfrm>
+          <a:prstGeom prst="bentConnector3">
+            <a:avLst>
+              <a:gd name="adj1" fmla="val -103438914"/>
+            </a:avLst>
+          </a:prstGeom>
+          <a:ln w="19050">
+            <a:prstDash val="dash"/>
+            <a:tailEnd type="arrow"/>
+          </a:ln>
+        </p:spPr>
+        <p:style>
+          <a:lnRef idx="1">
+            <a:schemeClr val="accent1"/>
+          </a:lnRef>
+          <a:fillRef idx="0">
+            <a:schemeClr val="accent1"/>
+          </a:fillRef>
+          <a:effectRef idx="0">
+            <a:schemeClr val="accent1"/>
+          </a:effectRef>
+          <a:fontRef idx="minor">
+            <a:schemeClr val="tx1"/>
+          </a:fontRef>
+        </p:style>
+      </p:cxnSp>
+      <p:cxnSp>
+        <p:nvCxnSpPr>
+          <p:cNvPr id="158" name="直接箭头连接符 89"/>
+          <p:cNvCxnSpPr>
+            <a:stCxn id="12" idx="3"/>
+            <a:endCxn id="11" idx="1"/>
+          </p:cNvCxnSpPr>
+          <p:nvPr/>
+        </p:nvCxnSpPr>
+        <p:spPr>
+          <a:xfrm>
+            <a:off x="5004048" y="2890345"/>
+            <a:ext cx="1368152" cy="898864"/>
+          </a:xfrm>
+          <a:prstGeom prst="bentConnector3">
+            <a:avLst>
+              <a:gd name="adj1" fmla="val 64704"/>
+            </a:avLst>
+          </a:prstGeom>
+          <a:ln>
+            <a:tailEnd type="arrow"/>
+          </a:ln>
+        </p:spPr>
+        <p:style>
+          <a:lnRef idx="2">
+            <a:schemeClr val="accent5"/>
+          </a:lnRef>
+          <a:fillRef idx="0">
+            <a:schemeClr val="accent5"/>
+          </a:fillRef>
+          <a:effectRef idx="1">
+            <a:schemeClr val="accent5"/>
+          </a:effectRef>
+          <a:fontRef idx="minor">
+            <a:schemeClr val="tx1"/>
+          </a:fontRef>
+        </p:style>
+      </p:cxnSp>
+      <p:sp>
+        <p:nvSpPr>
+          <p:cNvPr id="169" name="TextBox 168"/>
+          <p:cNvSpPr txBox="1"/>
+          <p:nvPr/>
+        </p:nvSpPr>
+        <p:spPr>
+          <a:xfrm>
+            <a:off x="4552330" y="1764105"/>
+            <a:ext cx="1747862" cy="584775"/>
+          </a:xfrm>
+          <a:prstGeom prst="rect">
+            <a:avLst/>
+          </a:prstGeom>
+          <a:noFill/>
+        </p:spPr>
+        <p:txBody>
+          <a:bodyPr wrap="square" rtlCol="0">
+            <a:spAutoFit/>
+          </a:bodyPr>
+          <a:lstStyle/>
+          <a:p>
+            <a:pPr marL="228600" indent="-228600">
+              <a:buAutoNum type="arabicParenBoth"/>
+            </a:pPr>
+            <a:r>
+              <a:rPr lang="zh-CN" altLang="en-US" sz="1600" dirty="0" smtClean="0"/>
+              <a:t>可以让用户关键字优先入队</a:t>
+            </a:r>
+            <a:endParaRPr lang="zh-CN" altLang="en-US" sz="1600" dirty="0"/>
+          </a:p>
+        </p:txBody>
+      </p:sp>
+      <p:sp>
+        <p:nvSpPr>
+          <p:cNvPr id="170" name="TextBox 169"/>
+          <p:cNvSpPr txBox="1"/>
+          <p:nvPr/>
+        </p:nvSpPr>
+        <p:spPr>
+          <a:xfrm>
+            <a:off x="7104587" y="2856314"/>
+            <a:ext cx="936325" cy="338554"/>
+          </a:xfrm>
+          <a:prstGeom prst="rect">
+            <a:avLst/>
+          </a:prstGeom>
+          <a:noFill/>
+        </p:spPr>
+        <p:txBody>
+          <a:bodyPr wrap="square" rtlCol="0">
+            <a:spAutoFit/>
+          </a:bodyPr>
+          <a:lstStyle/>
+          <a:p>
+            <a:r>
+              <a:rPr lang="en-US" altLang="zh-CN" sz="1600" dirty="0" smtClean="0"/>
+              <a:t>(2</a:t>
+            </a:r>
+            <a:r>
+              <a:rPr lang="en-US" altLang="zh-CN" sz="1600" dirty="0"/>
+              <a:t>)</a:t>
+            </a:r>
+            <a:r>
+              <a:rPr lang="zh-CN" altLang="en-US" sz="1600" dirty="0" smtClean="0"/>
+              <a:t>创建</a:t>
+            </a:r>
+            <a:endParaRPr lang="zh-CN" altLang="en-US" sz="1600" dirty="0"/>
+          </a:p>
+        </p:txBody>
+      </p:sp>
+      <p:sp>
+        <p:nvSpPr>
+          <p:cNvPr id="171" name="TextBox 170"/>
+          <p:cNvSpPr txBox="1"/>
+          <p:nvPr/>
+        </p:nvSpPr>
+        <p:spPr>
+          <a:xfrm>
+            <a:off x="5148064" y="2551791"/>
+            <a:ext cx="936325" cy="338554"/>
+          </a:xfrm>
+          <a:prstGeom prst="rect">
+            <a:avLst/>
+          </a:prstGeom>
+          <a:noFill/>
+        </p:spPr>
+        <p:txBody>
+          <a:bodyPr wrap="square" rtlCol="0">
+            <a:spAutoFit/>
+          </a:bodyPr>
+          <a:lstStyle/>
+          <a:p>
+            <a:r>
+              <a:rPr lang="en-US" altLang="zh-CN" sz="1600" dirty="0" smtClean="0"/>
+              <a:t>(3)</a:t>
+            </a:r>
+            <a:r>
+              <a:rPr lang="zh-CN" altLang="en-US" sz="1600" dirty="0" smtClean="0"/>
+              <a:t>获取</a:t>
+            </a:r>
+            <a:endParaRPr lang="zh-CN" altLang="en-US" sz="1600" dirty="0"/>
+          </a:p>
+        </p:txBody>
+      </p:sp>
+      <p:sp>
+        <p:nvSpPr>
+          <p:cNvPr id="172" name="TextBox 171"/>
+          <p:cNvSpPr txBox="1"/>
+          <p:nvPr/>
+        </p:nvSpPr>
+        <p:spPr>
+          <a:xfrm>
+            <a:off x="7092280" y="4242574"/>
+            <a:ext cx="936325" cy="338554"/>
+          </a:xfrm>
+          <a:prstGeom prst="rect">
+            <a:avLst/>
+          </a:prstGeom>
+          <a:noFill/>
+        </p:spPr>
+        <p:txBody>
+          <a:bodyPr wrap="square" rtlCol="0">
+            <a:spAutoFit/>
+          </a:bodyPr>
+          <a:lstStyle/>
+          <a:p>
+            <a:r>
+              <a:rPr lang="en-US" altLang="zh-CN" sz="1600" dirty="0" smtClean="0"/>
+              <a:t>(4)</a:t>
+            </a:r>
+            <a:r>
+              <a:rPr lang="zh-CN" altLang="en-US" sz="1600" dirty="0" smtClean="0"/>
+              <a:t>创建</a:t>
+            </a:r>
+            <a:endParaRPr lang="zh-CN" altLang="en-US" sz="1600" dirty="0"/>
+          </a:p>
+        </p:txBody>
+      </p:sp>
+      <p:sp>
+        <p:nvSpPr>
+          <p:cNvPr id="173" name="TextBox 172"/>
+          <p:cNvSpPr txBox="1"/>
+          <p:nvPr/>
+        </p:nvSpPr>
+        <p:spPr>
+          <a:xfrm>
+            <a:off x="5435875" y="4098558"/>
+            <a:ext cx="936325" cy="338554"/>
+          </a:xfrm>
+          <a:prstGeom prst="rect">
+            <a:avLst/>
+          </a:prstGeom>
+          <a:noFill/>
+        </p:spPr>
+        <p:txBody>
+          <a:bodyPr wrap="square" rtlCol="0">
+            <a:spAutoFit/>
+          </a:bodyPr>
+          <a:lstStyle/>
+          <a:p>
+            <a:r>
+              <a:rPr lang="en-US" altLang="zh-CN" sz="1600" dirty="0" smtClean="0"/>
+              <a:t>(5)</a:t>
+            </a:r>
+            <a:r>
+              <a:rPr lang="zh-CN" altLang="en-US" sz="1600" dirty="0" smtClean="0"/>
+              <a:t>创建</a:t>
+            </a:r>
+            <a:endParaRPr lang="zh-CN" altLang="en-US" sz="1600" dirty="0"/>
+          </a:p>
+        </p:txBody>
+      </p:sp>
+      <p:sp>
+        <p:nvSpPr>
+          <p:cNvPr id="174" name="TextBox 173"/>
+          <p:cNvSpPr txBox="1"/>
+          <p:nvPr/>
+        </p:nvSpPr>
+        <p:spPr>
+          <a:xfrm>
+            <a:off x="5004048" y="5124908"/>
+            <a:ext cx="936325" cy="338554"/>
+          </a:xfrm>
+          <a:prstGeom prst="rect">
+            <a:avLst/>
+          </a:prstGeom>
+          <a:noFill/>
+        </p:spPr>
+        <p:txBody>
+          <a:bodyPr wrap="square" rtlCol="0">
+            <a:spAutoFit/>
+          </a:bodyPr>
+          <a:lstStyle/>
+          <a:p>
+            <a:r>
+              <a:rPr lang="en-US" altLang="zh-CN" sz="1600" dirty="0" smtClean="0"/>
+              <a:t>(6)</a:t>
+            </a:r>
+            <a:r>
+              <a:rPr lang="zh-CN" altLang="en-US" sz="1600" dirty="0" smtClean="0"/>
+              <a:t>创建</a:t>
+            </a:r>
+            <a:endParaRPr lang="zh-CN" altLang="en-US" sz="1600" dirty="0"/>
+          </a:p>
+        </p:txBody>
+      </p:sp>
     </p:spTree>
     <p:extLst>
       <p:ext uri="{BB962C8B-B14F-4D97-AF65-F5344CB8AC3E}">
@@ -16337,7 +16420,9 @@
         </p:nvSpPr>
         <p:spPr/>
         <p:txBody>
-          <a:bodyPr/>
+          <a:bodyPr>
+            <a:normAutofit/>
+          </a:bodyPr>
           <a:lstStyle/>
           <a:p>
             <a:r>
@@ -16356,114 +16441,26 @@
           <a:p>
             <a:r>
               <a:rPr lang="en-US" altLang="zh-CN" dirty="0" smtClean="0"/>
-              <a:t>ActivateJob</a:t>
+              <a:t>SelectJob</a:t>
             </a:r>
             <a:r>
               <a:rPr lang="zh-CN" altLang="en-US" dirty="0" smtClean="0"/>
-              <a:t>创建的</a:t>
-            </a:r>
-            <a:r>
-              <a:rPr lang="en-US" altLang="zh-CN" dirty="0" smtClean="0"/>
-              <a:t>SearchJob</a:t>
-            </a:r>
-            <a:r>
-              <a:rPr lang="zh-CN" altLang="en-US" dirty="0" smtClean="0"/>
-              <a:t>优先级为</a:t>
-            </a:r>
-            <a:r>
-              <a:rPr lang="en-US" altLang="zh-CN" dirty="0" smtClean="0"/>
-              <a:t>9</a:t>
-            </a:r>
-          </a:p>
-          <a:p>
-            <a:r>
-              <a:rPr lang="en-US" altLang="zh-CN" dirty="0" smtClean="0"/>
-              <a:t>SearchJob</a:t>
-            </a:r>
-            <a:r>
-              <a:rPr lang="zh-CN" altLang="en-US" dirty="0" smtClean="0"/>
-              <a:t>创建的</a:t>
-            </a:r>
-            <a:r>
-              <a:rPr lang="en-US" altLang="zh-CN" dirty="0" smtClean="0"/>
-              <a:t>FetchJob</a:t>
-            </a:r>
-            <a:r>
-              <a:rPr lang="zh-CN" altLang="en-US" dirty="0" smtClean="0"/>
-              <a:t>和</a:t>
-            </a:r>
-            <a:r>
-              <a:rPr lang="en-US" altLang="zh-CN" dirty="0" smtClean="0"/>
-              <a:t>SearchJob</a:t>
-            </a:r>
-            <a:r>
-              <a:rPr lang="zh-CN" altLang="en-US" dirty="0" smtClean="0"/>
-              <a:t>具有相同的优先级</a:t>
+              <a:t>的优先级是创建者优先级减一</a:t>
             </a:r>
             <a:endParaRPr lang="en-US" altLang="zh-CN" dirty="0" smtClean="0"/>
           </a:p>
           <a:p>
             <a:r>
-              <a:rPr lang="en-US" altLang="zh-CN" dirty="0" smtClean="0"/>
-              <a:t>SearchJob</a:t>
-            </a:r>
-            <a:r>
               <a:rPr lang="zh-CN" altLang="en-US" dirty="0" smtClean="0"/>
-              <a:t>创建的</a:t>
+              <a:t>其他</a:t>
             </a:r>
             <a:r>
               <a:rPr lang="en-US" altLang="zh-CN" dirty="0" smtClean="0"/>
-              <a:t>KeywordSelectJob</a:t>
+              <a:t>Job</a:t>
             </a:r>
             <a:r>
-              <a:rPr lang="zh-CN" altLang="en-US" dirty="0" smtClean="0"/>
-              <a:t>和</a:t>
-            </a:r>
-            <a:r>
-              <a:rPr lang="en-US" altLang="zh-CN" dirty="0" smtClean="0"/>
-              <a:t>FilterJob</a:t>
-            </a:r>
-            <a:r>
-              <a:rPr lang="zh-CN" altLang="en-US" dirty="0" smtClean="0"/>
-              <a:t>的优先级为</a:t>
-            </a:r>
-            <a:r>
-              <a:rPr lang="en-US" altLang="zh-CN" dirty="0" smtClean="0"/>
-              <a:t>SearchJob</a:t>
-            </a:r>
-            <a:r>
-              <a:rPr lang="zh-CN" altLang="en-US" dirty="0" smtClean="0"/>
-              <a:t>的优先级减</a:t>
-            </a:r>
-            <a:r>
-              <a:rPr lang="en-US" altLang="zh-CN" dirty="0" smtClean="0"/>
-              <a:t>1</a:t>
-            </a:r>
-          </a:p>
-          <a:p>
-            <a:r>
-              <a:rPr lang="en-US" altLang="zh-CN" dirty="0" smtClean="0"/>
-              <a:t>KeywordSelectJob</a:t>
-            </a:r>
-            <a:r>
-              <a:rPr lang="zh-CN" altLang="en-US" dirty="0" smtClean="0"/>
-              <a:t>创建的</a:t>
-            </a:r>
-            <a:r>
-              <a:rPr lang="en-US" altLang="zh-CN" dirty="0" smtClean="0"/>
-              <a:t>SearchJob</a:t>
-            </a:r>
-            <a:r>
-              <a:rPr lang="zh-CN" altLang="en-US" dirty="0" smtClean="0"/>
-              <a:t>和</a:t>
-            </a:r>
-            <a:r>
-              <a:rPr lang="en-US" altLang="zh-CN" dirty="0"/>
-              <a:t>KeywordSelectJob</a:t>
-            </a:r>
-            <a:r>
-              <a:rPr lang="zh-CN" altLang="en-US" dirty="0" smtClean="0"/>
-              <a:t>具有相同优先级</a:t>
+              <a:rPr lang="zh-CN" altLang="en-US" smtClean="0"/>
+              <a:t>的优先级同创建者的优先级</a:t>
             </a:r>
             <a:endParaRPr lang="zh-CN" altLang="en-US" dirty="0"/>
           </a:p>
@@ -17534,8 +17531,8 @@
           </a:p>
         </p:txBody>
       </p:sp>
-      <mc:AlternateContent xmlns:mc="http://schemas.openxmlformats.org/markup-compatibility/2006">
-        <mc:Choice xmlns:a14="http://schemas.microsoft.com/office/drawing/2010/main" Requires="a14">
+      <mc:AlternateContent xmlns:mc="http://schemas.openxmlformats.org/markup-compatibility/2006" xmlns:a14="http://schemas.microsoft.com/office/drawing/2010/main">
+        <mc:Choice Requires="a14">
           <p:sp>
             <p:nvSpPr>
               <p:cNvPr id="3" name="内容占位符 2"/>
@@ -18371,7 +18368,7 @@
             </p:txBody>
           </p:sp>
         </mc:Choice>
-        <mc:Fallback>
+        <mc:Fallback xmlns="">
           <p:sp>
             <p:nvSpPr>
               <p:cNvPr id="3" name="内容占位符 2"/>

--- a/CSharp/EWorm/EWorm.Crawler/Eworm爬虫算法设计.pptx
+++ b/CSharp/EWorm/EWorm.Crawler/Eworm爬虫算法设计.pptx
@@ -2872,7 +2872,7 @@
           <a:p>
             <a:fld id="{B983F1F2-4DD3-448A-9335-87264D83D09E}" type="datetimeFigureOut">
               <a:rPr lang="zh-CN" altLang="en-US" smtClean="0"/>
-              <a:t>2012/5/28</a:t>
+              <a:t>2012/5/31</a:t>
             </a:fld>
             <a:endParaRPr lang="zh-CN" altLang="en-US"/>
           </a:p>
@@ -3157,7 +3157,7 @@
           <a:p>
             <a:fld id="{B983F1F2-4DD3-448A-9335-87264D83D09E}" type="datetimeFigureOut">
               <a:rPr lang="zh-CN" altLang="en-US" smtClean="0"/>
-              <a:t>2012/5/28</a:t>
+              <a:t>2012/5/31</a:t>
             </a:fld>
             <a:endParaRPr lang="zh-CN" altLang="en-US"/>
           </a:p>
@@ -3332,7 +3332,7 @@
           <a:p>
             <a:fld id="{B983F1F2-4DD3-448A-9335-87264D83D09E}" type="datetimeFigureOut">
               <a:rPr lang="zh-CN" altLang="en-US" smtClean="0"/>
-              <a:t>2012/5/28</a:t>
+              <a:t>2012/5/31</a:t>
             </a:fld>
             <a:endParaRPr lang="zh-CN" altLang="en-US"/>
           </a:p>
@@ -3497,7 +3497,7 @@
           <a:p>
             <a:fld id="{B983F1F2-4DD3-448A-9335-87264D83D09E}" type="datetimeFigureOut">
               <a:rPr lang="zh-CN" altLang="en-US" smtClean="0"/>
-              <a:t>2012/5/28</a:t>
+              <a:t>2012/5/31</a:t>
             </a:fld>
             <a:endParaRPr lang="zh-CN" altLang="en-US"/>
           </a:p>
@@ -3738,7 +3738,7 @@
           <a:p>
             <a:fld id="{B983F1F2-4DD3-448A-9335-87264D83D09E}" type="datetimeFigureOut">
               <a:rPr lang="zh-CN" altLang="en-US" smtClean="0"/>
-              <a:t>2012/5/28</a:t>
+              <a:t>2012/5/31</a:t>
             </a:fld>
             <a:endParaRPr lang="zh-CN" altLang="en-US"/>
           </a:p>
@@ -3851,7 +3851,7 @@
           <a:p>
             <a:fld id="{B983F1F2-4DD3-448A-9335-87264D83D09E}" type="datetimeFigureOut">
               <a:rPr lang="zh-CN" altLang="en-US" smtClean="0"/>
-              <a:t>2012/5/28</a:t>
+              <a:t>2012/5/31</a:t>
             </a:fld>
             <a:endParaRPr lang="zh-CN" altLang="en-US"/>
           </a:p>
@@ -4390,7 +4390,7 @@
           <a:p>
             <a:fld id="{B983F1F2-4DD3-448A-9335-87264D83D09E}" type="datetimeFigureOut">
               <a:rPr lang="zh-CN" altLang="en-US" smtClean="0"/>
-              <a:t>2012/5/28</a:t>
+              <a:t>2012/5/31</a:t>
             </a:fld>
             <a:endParaRPr lang="zh-CN" altLang="en-US"/>
           </a:p>
@@ -4503,7 +4503,7 @@
           <a:p>
             <a:fld id="{B983F1F2-4DD3-448A-9335-87264D83D09E}" type="datetimeFigureOut">
               <a:rPr lang="zh-CN" altLang="en-US" smtClean="0"/>
-              <a:t>2012/5/28</a:t>
+              <a:t>2012/5/31</a:t>
             </a:fld>
             <a:endParaRPr lang="zh-CN" altLang="en-US"/>
           </a:p>
@@ -4593,7 +4593,7 @@
           <a:p>
             <a:fld id="{B983F1F2-4DD3-448A-9335-87264D83D09E}" type="datetimeFigureOut">
               <a:rPr lang="zh-CN" altLang="en-US" smtClean="0"/>
-              <a:t>2012/5/28</a:t>
+              <a:t>2012/5/31</a:t>
             </a:fld>
             <a:endParaRPr lang="zh-CN" altLang="en-US"/>
           </a:p>
@@ -7244,7 +7244,7 @@
           <a:p>
             <a:fld id="{B983F1F2-4DD3-448A-9335-87264D83D09E}" type="datetimeFigureOut">
               <a:rPr lang="zh-CN" altLang="en-US" smtClean="0"/>
-              <a:t>2012/5/28</a:t>
+              <a:t>2012/5/31</a:t>
             </a:fld>
             <a:endParaRPr lang="zh-CN" altLang="en-US"/>
           </a:p>
@@ -10456,7 +10456,7 @@
           <a:p>
             <a:fld id="{B983F1F2-4DD3-448A-9335-87264D83D09E}" type="datetimeFigureOut">
               <a:rPr lang="zh-CN" altLang="en-US" smtClean="0"/>
-              <a:t>2012/5/28</a:t>
+              <a:t>2012/5/31</a:t>
             </a:fld>
             <a:endParaRPr lang="zh-CN" altLang="en-US"/>
           </a:p>
@@ -13278,7 +13278,7 @@
           <a:p>
             <a:fld id="{B983F1F2-4DD3-448A-9335-87264D83D09E}" type="datetimeFigureOut">
               <a:rPr lang="zh-CN" altLang="en-US" smtClean="0"/>
-              <a:t>2012/5/28</a:t>
+              <a:t>2012/5/31</a:t>
             </a:fld>
             <a:endParaRPr lang="zh-CN" altLang="en-US"/>
           </a:p>
@@ -16947,7 +16947,7 @@
           <p:nvPr>
             <p:extLst>
               <p:ext uri="{D42A27DB-BD31-4B8C-83A1-F6EECF244321}">
-                <p14:modId xmlns:p14="http://schemas.microsoft.com/office/powerpoint/2010/main" val="358438942"/>
+                <p14:modId xmlns:p14="http://schemas.microsoft.com/office/powerpoint/2010/main" val="1288548205"/>
               </p:ext>
             </p:extLst>
           </p:nvPr>
@@ -17022,7 +17022,7 @@
                     <a:p>
                       <a:r>
                         <a:rPr lang="en-US" altLang="zh-CN" sz="1400" dirty="0" smtClean="0"/>
-                        <a:t>5</a:t>
+                        <a:t>59</a:t>
                       </a:r>
                       <a:endParaRPr lang="zh-CN" altLang="en-US" sz="1400" dirty="0"/>
                     </a:p>
@@ -17051,8 +17051,8 @@
                     <a:lstStyle/>
                     <a:p>
                       <a:r>
-                        <a:rPr lang="en-US" altLang="zh-CN" sz="1400" dirty="0" smtClean="0"/>
-                        <a:t>5</a:t>
+                        <a:rPr lang="en-US" altLang="zh-CN" sz="1400" smtClean="0"/>
+                        <a:t>46</a:t>
                       </a:r>
                       <a:endParaRPr lang="zh-CN" altLang="en-US" sz="1400" dirty="0"/>
                     </a:p>
@@ -18319,16 +18319,12 @@
                   <a:t>缓存池里的前</a:t>
                 </a:r>
                 <a:r>
-                  <a:rPr lang="en-US" altLang="zh-CN" smtClean="0"/>
+                  <a:rPr lang="en-US" altLang="zh-CN" dirty="0" smtClean="0"/>
                   <a:t>50%</a:t>
                 </a:r>
                 <a:r>
-                  <a:rPr lang="zh-CN" altLang="en-US" smtClean="0"/>
-                  <a:t>记录</a:t>
-                </a:r>
-                <a:r>
                   <a:rPr lang="zh-CN" altLang="en-US" dirty="0" smtClean="0"/>
-                  <a:t>（根据</a:t>
+                  <a:t>记录（根据</a:t>
                 </a:r>
                 <a14:m>
                   <m:oMath xmlns:m="http://schemas.openxmlformats.org/officeDocument/2006/math">

--- a/CSharp/EWorm/EWorm.Crawler/Eworm爬虫算法设计.pptx
+++ b/CSharp/EWorm/EWorm.Crawler/Eworm爬虫算法设计.pptx
@@ -2872,7 +2872,7 @@
           <a:p>
             <a:fld id="{B983F1F2-4DD3-448A-9335-87264D83D09E}" type="datetimeFigureOut">
               <a:rPr lang="zh-CN" altLang="en-US" smtClean="0"/>
-              <a:t>2012/5/31</a:t>
+              <a:t>2012/6/9</a:t>
             </a:fld>
             <a:endParaRPr lang="zh-CN" altLang="en-US"/>
           </a:p>
@@ -3157,7 +3157,7 @@
           <a:p>
             <a:fld id="{B983F1F2-4DD3-448A-9335-87264D83D09E}" type="datetimeFigureOut">
               <a:rPr lang="zh-CN" altLang="en-US" smtClean="0"/>
-              <a:t>2012/5/31</a:t>
+              <a:t>2012/6/9</a:t>
             </a:fld>
             <a:endParaRPr lang="zh-CN" altLang="en-US"/>
           </a:p>
@@ -3332,7 +3332,7 @@
           <a:p>
             <a:fld id="{B983F1F2-4DD3-448A-9335-87264D83D09E}" type="datetimeFigureOut">
               <a:rPr lang="zh-CN" altLang="en-US" smtClean="0"/>
-              <a:t>2012/5/31</a:t>
+              <a:t>2012/6/9</a:t>
             </a:fld>
             <a:endParaRPr lang="zh-CN" altLang="en-US"/>
           </a:p>
@@ -3497,7 +3497,7 @@
           <a:p>
             <a:fld id="{B983F1F2-4DD3-448A-9335-87264D83D09E}" type="datetimeFigureOut">
               <a:rPr lang="zh-CN" altLang="en-US" smtClean="0"/>
-              <a:t>2012/5/31</a:t>
+              <a:t>2012/6/9</a:t>
             </a:fld>
             <a:endParaRPr lang="zh-CN" altLang="en-US"/>
           </a:p>
@@ -3738,7 +3738,7 @@
           <a:p>
             <a:fld id="{B983F1F2-4DD3-448A-9335-87264D83D09E}" type="datetimeFigureOut">
               <a:rPr lang="zh-CN" altLang="en-US" smtClean="0"/>
-              <a:t>2012/5/31</a:t>
+              <a:t>2012/6/9</a:t>
             </a:fld>
             <a:endParaRPr lang="zh-CN" altLang="en-US"/>
           </a:p>
@@ -3851,7 +3851,7 @@
           <a:p>
             <a:fld id="{B983F1F2-4DD3-448A-9335-87264D83D09E}" type="datetimeFigureOut">
               <a:rPr lang="zh-CN" altLang="en-US" smtClean="0"/>
-              <a:t>2012/5/31</a:t>
+              <a:t>2012/6/9</a:t>
             </a:fld>
             <a:endParaRPr lang="zh-CN" altLang="en-US"/>
           </a:p>
@@ -4390,7 +4390,7 @@
           <a:p>
             <a:fld id="{B983F1F2-4DD3-448A-9335-87264D83D09E}" type="datetimeFigureOut">
               <a:rPr lang="zh-CN" altLang="en-US" smtClean="0"/>
-              <a:t>2012/5/31</a:t>
+              <a:t>2012/6/9</a:t>
             </a:fld>
             <a:endParaRPr lang="zh-CN" altLang="en-US"/>
           </a:p>
@@ -4503,7 +4503,7 @@
           <a:p>
             <a:fld id="{B983F1F2-4DD3-448A-9335-87264D83D09E}" type="datetimeFigureOut">
               <a:rPr lang="zh-CN" altLang="en-US" smtClean="0"/>
-              <a:t>2012/5/31</a:t>
+              <a:t>2012/6/9</a:t>
             </a:fld>
             <a:endParaRPr lang="zh-CN" altLang="en-US"/>
           </a:p>
@@ -4593,7 +4593,7 @@
           <a:p>
             <a:fld id="{B983F1F2-4DD3-448A-9335-87264D83D09E}" type="datetimeFigureOut">
               <a:rPr lang="zh-CN" altLang="en-US" smtClean="0"/>
-              <a:t>2012/5/31</a:t>
+              <a:t>2012/6/9</a:t>
             </a:fld>
             <a:endParaRPr lang="zh-CN" altLang="en-US"/>
           </a:p>
@@ -7244,7 +7244,7 @@
           <a:p>
             <a:fld id="{B983F1F2-4DD3-448A-9335-87264D83D09E}" type="datetimeFigureOut">
               <a:rPr lang="zh-CN" altLang="en-US" smtClean="0"/>
-              <a:t>2012/5/31</a:t>
+              <a:t>2012/6/9</a:t>
             </a:fld>
             <a:endParaRPr lang="zh-CN" altLang="en-US"/>
           </a:p>
@@ -10456,7 +10456,7 @@
           <a:p>
             <a:fld id="{B983F1F2-4DD3-448A-9335-87264D83D09E}" type="datetimeFigureOut">
               <a:rPr lang="zh-CN" altLang="en-US" smtClean="0"/>
-              <a:t>2012/5/31</a:t>
+              <a:t>2012/6/9</a:t>
             </a:fld>
             <a:endParaRPr lang="zh-CN" altLang="en-US"/>
           </a:p>
@@ -13278,7 +13278,7 @@
           <a:p>
             <a:fld id="{B983F1F2-4DD3-448A-9335-87264D83D09E}" type="datetimeFigureOut">
               <a:rPr lang="zh-CN" altLang="en-US" smtClean="0"/>
-              <a:t>2012/5/31</a:t>
+              <a:t>2012/6/9</a:t>
             </a:fld>
             <a:endParaRPr lang="zh-CN" altLang="en-US"/>
           </a:p>
@@ -15186,395 +15186,6 @@
       </p:sp>
       <p:sp>
         <p:nvSpPr>
-          <p:cNvPr id="3" name="圆角矩形 2"/>
-          <p:cNvSpPr/>
-          <p:nvPr/>
-        </p:nvSpPr>
-        <p:spPr>
-          <a:xfrm>
-            <a:off x="6372200" y="1989008"/>
-            <a:ext cx="1583954" cy="720080"/>
-          </a:xfrm>
-          <a:prstGeom prst="roundRect">
-            <a:avLst/>
-          </a:prstGeom>
-        </p:spPr>
-        <p:style>
-          <a:lnRef idx="2">
-            <a:schemeClr val="accent1">
-              <a:shade val="50000"/>
-            </a:schemeClr>
-          </a:lnRef>
-          <a:fillRef idx="1">
-            <a:schemeClr val="accent1"/>
-          </a:fillRef>
-          <a:effectRef idx="0">
-            <a:schemeClr val="accent1"/>
-          </a:effectRef>
-          <a:fontRef idx="minor">
-            <a:schemeClr val="lt1"/>
-          </a:fontRef>
-        </p:style>
-        <p:txBody>
-          <a:bodyPr rtlCol="0" anchor="ctr"/>
-          <a:lstStyle/>
-          <a:p>
-            <a:pPr algn="ctr"/>
-            <a:r>
-              <a:rPr lang="en-US" altLang="zh-CN" dirty="0" smtClean="0"/>
-              <a:t>Activate Job</a:t>
-            </a:r>
-            <a:endParaRPr lang="zh-CN" altLang="en-US" dirty="0"/>
-          </a:p>
-        </p:txBody>
-      </p:sp>
-      <p:sp>
-        <p:nvSpPr>
-          <p:cNvPr id="4" name="圆角矩形 3"/>
-          <p:cNvSpPr/>
-          <p:nvPr/>
-        </p:nvSpPr>
-        <p:spPr>
-          <a:xfrm>
-            <a:off x="6372421" y="4743146"/>
-            <a:ext cx="1584176" cy="720080"/>
-          </a:xfrm>
-          <a:prstGeom prst="roundRect">
-            <a:avLst/>
-          </a:prstGeom>
-        </p:spPr>
-        <p:style>
-          <a:lnRef idx="2">
-            <a:schemeClr val="accent1">
-              <a:shade val="50000"/>
-            </a:schemeClr>
-          </a:lnRef>
-          <a:fillRef idx="1">
-            <a:schemeClr val="accent1"/>
-          </a:fillRef>
-          <a:effectRef idx="0">
-            <a:schemeClr val="accent1"/>
-          </a:effectRef>
-          <a:fontRef idx="minor">
-            <a:schemeClr val="lt1"/>
-          </a:fontRef>
-        </p:style>
-        <p:txBody>
-          <a:bodyPr rtlCol="0" anchor="ctr"/>
-          <a:lstStyle/>
-          <a:p>
-            <a:pPr algn="ctr"/>
-            <a:r>
-              <a:rPr lang="en-US" altLang="zh-CN" dirty="0" smtClean="0"/>
-              <a:t>Search Job</a:t>
-            </a:r>
-            <a:endParaRPr lang="zh-CN" altLang="en-US" dirty="0"/>
-          </a:p>
-        </p:txBody>
-      </p:sp>
-      <p:sp>
-        <p:nvSpPr>
-          <p:cNvPr id="9" name="单圆角矩形 8"/>
-          <p:cNvSpPr/>
-          <p:nvPr/>
-        </p:nvSpPr>
-        <p:spPr>
-          <a:xfrm>
-            <a:off x="1187625" y="4149248"/>
-            <a:ext cx="1944216" cy="792088"/>
-          </a:xfrm>
-          <a:prstGeom prst="round1Rect">
-            <a:avLst/>
-          </a:prstGeom>
-        </p:spPr>
-        <p:style>
-          <a:lnRef idx="2">
-            <a:schemeClr val="accent6">
-              <a:shade val="50000"/>
-            </a:schemeClr>
-          </a:lnRef>
-          <a:fillRef idx="1">
-            <a:schemeClr val="accent6"/>
-          </a:fillRef>
-          <a:effectRef idx="0">
-            <a:schemeClr val="accent6"/>
-          </a:effectRef>
-          <a:fontRef idx="minor">
-            <a:schemeClr val="lt1"/>
-          </a:fontRef>
-        </p:style>
-        <p:txBody>
-          <a:bodyPr rtlCol="0" anchor="ctr"/>
-          <a:lstStyle/>
-          <a:p>
-            <a:pPr algn="ctr"/>
-            <a:r>
-              <a:rPr lang="en-US" altLang="zh-CN" dirty="0" smtClean="0"/>
-              <a:t>Goods</a:t>
-            </a:r>
-            <a:r>
-              <a:rPr lang="zh-CN" altLang="en-US" dirty="0" smtClean="0"/>
-              <a:t>缓存</a:t>
-            </a:r>
-            <a:r>
-              <a:rPr lang="zh-CN" altLang="en-US" dirty="0"/>
-              <a:t>池</a:t>
-            </a:r>
-          </a:p>
-        </p:txBody>
-      </p:sp>
-      <p:sp>
-        <p:nvSpPr>
-          <p:cNvPr id="10" name="单圆角矩形 9"/>
-          <p:cNvSpPr/>
-          <p:nvPr/>
-        </p:nvSpPr>
-        <p:spPr>
-          <a:xfrm>
-            <a:off x="1187624" y="5229200"/>
-            <a:ext cx="1944216" cy="792088"/>
-          </a:xfrm>
-          <a:prstGeom prst="round1Rect">
-            <a:avLst/>
-          </a:prstGeom>
-        </p:spPr>
-        <p:style>
-          <a:lnRef idx="2">
-            <a:schemeClr val="accent6">
-              <a:shade val="50000"/>
-            </a:schemeClr>
-          </a:lnRef>
-          <a:fillRef idx="1">
-            <a:schemeClr val="accent6"/>
-          </a:fillRef>
-          <a:effectRef idx="0">
-            <a:schemeClr val="accent6"/>
-          </a:effectRef>
-          <a:fontRef idx="minor">
-            <a:schemeClr val="lt1"/>
-          </a:fontRef>
-        </p:style>
-        <p:txBody>
-          <a:bodyPr rtlCol="0" anchor="ctr"/>
-          <a:lstStyle/>
-          <a:p>
-            <a:pPr algn="ctr"/>
-            <a:r>
-              <a:rPr lang="en-US" altLang="zh-CN" dirty="0" smtClean="0"/>
-              <a:t>Goods</a:t>
-            </a:r>
-            <a:r>
-              <a:rPr lang="zh-CN" altLang="en-US" dirty="0" smtClean="0"/>
-              <a:t>数据库</a:t>
-            </a:r>
-            <a:endParaRPr lang="zh-CN" altLang="en-US" dirty="0"/>
-          </a:p>
-        </p:txBody>
-      </p:sp>
-      <p:sp>
-        <p:nvSpPr>
-          <p:cNvPr id="11" name="圆角矩形 10"/>
-          <p:cNvSpPr/>
-          <p:nvPr/>
-        </p:nvSpPr>
-        <p:spPr>
-          <a:xfrm>
-            <a:off x="6372200" y="3429169"/>
-            <a:ext cx="1584176" cy="720080"/>
-          </a:xfrm>
-          <a:prstGeom prst="roundRect">
-            <a:avLst/>
-          </a:prstGeom>
-        </p:spPr>
-        <p:style>
-          <a:lnRef idx="2">
-            <a:schemeClr val="accent1">
-              <a:shade val="50000"/>
-            </a:schemeClr>
-          </a:lnRef>
-          <a:fillRef idx="1">
-            <a:schemeClr val="accent1"/>
-          </a:fillRef>
-          <a:effectRef idx="0">
-            <a:schemeClr val="accent1"/>
-          </a:effectRef>
-          <a:fontRef idx="minor">
-            <a:schemeClr val="lt1"/>
-          </a:fontRef>
-        </p:style>
-        <p:txBody>
-          <a:bodyPr rtlCol="0" anchor="ctr"/>
-          <a:lstStyle/>
-          <a:p>
-            <a:pPr algn="ctr"/>
-            <a:r>
-              <a:rPr lang="en-US" altLang="zh-CN" dirty="0" smtClean="0"/>
-              <a:t>Keyword Select Job</a:t>
-            </a:r>
-            <a:endParaRPr lang="zh-CN" altLang="en-US" dirty="0"/>
-          </a:p>
-        </p:txBody>
-      </p:sp>
-      <p:sp>
-        <p:nvSpPr>
-          <p:cNvPr id="12" name="单圆角矩形 11"/>
-          <p:cNvSpPr/>
-          <p:nvPr/>
-        </p:nvSpPr>
-        <p:spPr>
-          <a:xfrm>
-            <a:off x="3472210" y="2585822"/>
-            <a:ext cx="1531838" cy="609046"/>
-          </a:xfrm>
-          <a:prstGeom prst="round1Rect">
-            <a:avLst/>
-          </a:prstGeom>
-        </p:spPr>
-        <p:style>
-          <a:lnRef idx="3">
-            <a:schemeClr val="lt1"/>
-          </a:lnRef>
-          <a:fillRef idx="1">
-            <a:schemeClr val="accent5"/>
-          </a:fillRef>
-          <a:effectRef idx="1">
-            <a:schemeClr val="accent5"/>
-          </a:effectRef>
-          <a:fontRef idx="minor">
-            <a:schemeClr val="lt1"/>
-          </a:fontRef>
-        </p:style>
-        <p:txBody>
-          <a:bodyPr rtlCol="0" anchor="ctr"/>
-          <a:lstStyle/>
-          <a:p>
-            <a:pPr algn="ctr"/>
-            <a:r>
-              <a:rPr lang="zh-CN" altLang="en-US" dirty="0" smtClean="0"/>
-              <a:t>关键字队列</a:t>
-            </a:r>
-            <a:endParaRPr lang="zh-CN" altLang="en-US" dirty="0"/>
-          </a:p>
-        </p:txBody>
-      </p:sp>
-      <p:sp>
-        <p:nvSpPr>
-          <p:cNvPr id="28" name="圆角矩形 27"/>
-          <p:cNvSpPr/>
-          <p:nvPr/>
-        </p:nvSpPr>
-        <p:spPr>
-          <a:xfrm>
-            <a:off x="3419872" y="4743146"/>
-            <a:ext cx="1584176" cy="720080"/>
-          </a:xfrm>
-          <a:prstGeom prst="roundRect">
-            <a:avLst/>
-          </a:prstGeom>
-        </p:spPr>
-        <p:style>
-          <a:lnRef idx="2">
-            <a:schemeClr val="accent1">
-              <a:shade val="50000"/>
-            </a:schemeClr>
-          </a:lnRef>
-          <a:fillRef idx="1">
-            <a:schemeClr val="accent1"/>
-          </a:fillRef>
-          <a:effectRef idx="0">
-            <a:schemeClr val="accent1"/>
-          </a:effectRef>
-          <a:fontRef idx="minor">
-            <a:schemeClr val="lt1"/>
-          </a:fontRef>
-        </p:style>
-        <p:txBody>
-          <a:bodyPr rtlCol="0" anchor="ctr"/>
-          <a:lstStyle/>
-          <a:p>
-            <a:pPr algn="ctr"/>
-            <a:r>
-              <a:rPr lang="en-US" altLang="zh-CN" dirty="0" smtClean="0"/>
-              <a:t>Filter Job</a:t>
-            </a:r>
-            <a:endParaRPr lang="zh-CN" altLang="en-US" dirty="0"/>
-          </a:p>
-        </p:txBody>
-      </p:sp>
-      <p:cxnSp>
-        <p:nvCxnSpPr>
-          <p:cNvPr id="30" name="肘形连接符 29"/>
-          <p:cNvCxnSpPr>
-            <a:stCxn id="9" idx="3"/>
-            <a:endCxn id="28" idx="0"/>
-          </p:cNvCxnSpPr>
-          <p:nvPr/>
-        </p:nvCxnSpPr>
-        <p:spPr>
-          <a:xfrm>
-            <a:off x="3131841" y="4545292"/>
-            <a:ext cx="1080119" cy="197854"/>
-          </a:xfrm>
-          <a:prstGeom prst="bentConnector2">
-            <a:avLst/>
-          </a:prstGeom>
-          <a:ln>
-            <a:tailEnd type="arrow"/>
-          </a:ln>
-        </p:spPr>
-        <p:style>
-          <a:lnRef idx="2">
-            <a:schemeClr val="accent6"/>
-          </a:lnRef>
-          <a:fillRef idx="0">
-            <a:schemeClr val="accent6"/>
-          </a:fillRef>
-          <a:effectRef idx="1">
-            <a:schemeClr val="accent6"/>
-          </a:effectRef>
-          <a:fontRef idx="minor">
-            <a:schemeClr val="tx1"/>
-          </a:fontRef>
-        </p:style>
-      </p:cxnSp>
-      <p:cxnSp>
-        <p:nvCxnSpPr>
-          <p:cNvPr id="32" name="肘形连接符 31"/>
-          <p:cNvCxnSpPr>
-            <a:stCxn id="28" idx="2"/>
-            <a:endCxn id="10" idx="3"/>
-          </p:cNvCxnSpPr>
-          <p:nvPr/>
-        </p:nvCxnSpPr>
-        <p:spPr>
-          <a:xfrm rot="5400000">
-            <a:off x="3590891" y="5004175"/>
-            <a:ext cx="162018" cy="1080120"/>
-          </a:xfrm>
-          <a:prstGeom prst="bentConnector2">
-            <a:avLst/>
-          </a:prstGeom>
-          <a:ln>
-            <a:tailEnd type="arrow"/>
-          </a:ln>
-        </p:spPr>
-        <p:style>
-          <a:lnRef idx="2">
-            <a:schemeClr val="accent6"/>
-          </a:lnRef>
-          <a:fillRef idx="0">
-            <a:schemeClr val="accent6"/>
-          </a:fillRef>
-          <a:effectRef idx="1">
-            <a:schemeClr val="accent6"/>
-          </a:effectRef>
-          <a:fontRef idx="minor">
-            <a:schemeClr val="tx1"/>
-          </a:fontRef>
-        </p:style>
-      </p:cxnSp>
-      <p:sp>
-        <p:nvSpPr>
           <p:cNvPr id="38" name="圆角矩形 37"/>
           <p:cNvSpPr/>
           <p:nvPr/>
@@ -15799,558 +15410,962 @@
           </a:p>
         </p:txBody>
       </p:sp>
-      <p:cxnSp>
-        <p:nvCxnSpPr>
-          <p:cNvPr id="29" name="肘形连接符 28"/>
-          <p:cNvCxnSpPr>
-            <a:stCxn id="31" idx="1"/>
-            <a:endCxn id="9" idx="0"/>
-          </p:cNvCxnSpPr>
+      <p:grpSp>
+        <p:nvGrpSpPr>
+          <p:cNvPr id="5" name="组合 4"/>
+          <p:cNvGrpSpPr/>
           <p:nvPr/>
-        </p:nvCxnSpPr>
-        <p:spPr>
-          <a:xfrm rot="10800000" flipV="1">
-            <a:off x="2159734" y="3789208"/>
-            <a:ext cx="1248013" cy="360040"/>
+        </p:nvGrpSpPr>
+        <p:grpSpPr>
+          <a:xfrm>
+            <a:off x="1187624" y="1764105"/>
+            <a:ext cx="6853288" cy="4257183"/>
+            <a:chOff x="1187624" y="1764105"/>
+            <a:chExt cx="6853288" cy="4257183"/>
           </a:xfrm>
-          <a:prstGeom prst="bentConnector2">
-            <a:avLst/>
-          </a:prstGeom>
-          <a:ln>
-            <a:tailEnd type="arrow"/>
-          </a:ln>
-        </p:spPr>
-        <p:style>
-          <a:lnRef idx="2">
-            <a:schemeClr val="accent6"/>
-          </a:lnRef>
-          <a:fillRef idx="0">
-            <a:schemeClr val="accent6"/>
-          </a:fillRef>
-          <a:effectRef idx="1">
-            <a:schemeClr val="accent6"/>
-          </a:effectRef>
-          <a:fontRef idx="minor">
-            <a:schemeClr val="tx1"/>
-          </a:fontRef>
-        </p:style>
-      </p:cxnSp>
-      <p:sp>
-        <p:nvSpPr>
-          <p:cNvPr id="31" name="圆角矩形 30"/>
-          <p:cNvSpPr/>
-          <p:nvPr/>
-        </p:nvSpPr>
-        <p:spPr>
-          <a:xfrm>
-            <a:off x="3407746" y="3429168"/>
-            <a:ext cx="1584176" cy="720080"/>
-          </a:xfrm>
-          <a:prstGeom prst="roundRect">
-            <a:avLst/>
-          </a:prstGeom>
-        </p:spPr>
-        <p:style>
-          <a:lnRef idx="2">
-            <a:schemeClr val="accent1">
-              <a:shade val="50000"/>
-            </a:schemeClr>
-          </a:lnRef>
-          <a:fillRef idx="1">
-            <a:schemeClr val="accent1"/>
-          </a:fillRef>
-          <a:effectRef idx="0">
-            <a:schemeClr val="accent1"/>
-          </a:effectRef>
-          <a:fontRef idx="minor">
-            <a:schemeClr val="lt1"/>
-          </a:fontRef>
-        </p:style>
-        <p:txBody>
-          <a:bodyPr rtlCol="0" anchor="ctr"/>
-          <a:lstStyle/>
-          <a:p>
-            <a:pPr algn="ctr"/>
-            <a:r>
-              <a:rPr lang="en-US" altLang="zh-CN" dirty="0" smtClean="0"/>
-              <a:t>Fetch Job</a:t>
-            </a:r>
-            <a:endParaRPr lang="zh-CN" altLang="en-US" dirty="0"/>
-          </a:p>
-        </p:txBody>
-      </p:sp>
-      <p:cxnSp>
-        <p:nvCxnSpPr>
-          <p:cNvPr id="90" name="直接箭头连接符 89"/>
-          <p:cNvCxnSpPr>
-            <a:stCxn id="3" idx="1"/>
-            <a:endCxn id="12" idx="0"/>
-          </p:cNvCxnSpPr>
-          <p:nvPr/>
-        </p:nvCxnSpPr>
-        <p:spPr>
-          <a:xfrm rot="10800000" flipV="1">
-            <a:off x="4238130" y="2349048"/>
-            <a:ext cx="2134071" cy="236774"/>
-          </a:xfrm>
-          <a:prstGeom prst="bentConnector2">
-            <a:avLst/>
-          </a:prstGeom>
-          <a:ln>
-            <a:tailEnd type="arrow"/>
-          </a:ln>
-        </p:spPr>
-        <p:style>
-          <a:lnRef idx="2">
-            <a:schemeClr val="accent5"/>
-          </a:lnRef>
-          <a:fillRef idx="0">
-            <a:schemeClr val="accent5"/>
-          </a:fillRef>
-          <a:effectRef idx="1">
-            <a:schemeClr val="accent5"/>
-          </a:effectRef>
-          <a:fontRef idx="minor">
-            <a:schemeClr val="tx1"/>
-          </a:fontRef>
-        </p:style>
-      </p:cxnSp>
-      <p:cxnSp>
-        <p:nvCxnSpPr>
-          <p:cNvPr id="94" name="直接箭头连接符 93"/>
-          <p:cNvCxnSpPr>
-            <a:stCxn id="3" idx="2"/>
-            <a:endCxn id="11" idx="0"/>
-          </p:cNvCxnSpPr>
-          <p:nvPr/>
-        </p:nvCxnSpPr>
-        <p:spPr>
-          <a:xfrm rot="16200000" flipH="1">
-            <a:off x="6804192" y="3069072"/>
-            <a:ext cx="720081" cy="111"/>
-          </a:xfrm>
-          <a:prstGeom prst="bentConnector3">
-            <a:avLst>
-              <a:gd name="adj1" fmla="val 50000"/>
-            </a:avLst>
-          </a:prstGeom>
-          <a:ln w="19050">
-            <a:prstDash val="dash"/>
-            <a:tailEnd type="arrow"/>
-          </a:ln>
-        </p:spPr>
-        <p:style>
-          <a:lnRef idx="1">
-            <a:schemeClr val="accent1"/>
-          </a:lnRef>
-          <a:fillRef idx="0">
-            <a:schemeClr val="accent1"/>
-          </a:fillRef>
-          <a:effectRef idx="0">
-            <a:schemeClr val="accent1"/>
-          </a:effectRef>
-          <a:fontRef idx="minor">
-            <a:schemeClr val="tx1"/>
-          </a:fontRef>
-        </p:style>
-      </p:cxnSp>
-      <p:cxnSp>
-        <p:nvCxnSpPr>
-          <p:cNvPr id="96" name="肘形连接符 95"/>
-          <p:cNvCxnSpPr>
-            <a:stCxn id="11" idx="2"/>
-            <a:endCxn id="4" idx="0"/>
-          </p:cNvCxnSpPr>
-          <p:nvPr/>
-        </p:nvCxnSpPr>
-        <p:spPr>
-          <a:xfrm rot="16200000" flipH="1">
-            <a:off x="6867450" y="4446086"/>
-            <a:ext cx="593897" cy="221"/>
-          </a:xfrm>
-          <a:prstGeom prst="bentConnector3">
-            <a:avLst/>
-          </a:prstGeom>
-          <a:ln w="19050">
-            <a:prstDash val="dash"/>
-            <a:tailEnd type="arrow"/>
-          </a:ln>
-        </p:spPr>
-        <p:style>
-          <a:lnRef idx="1">
-            <a:schemeClr val="accent1"/>
-          </a:lnRef>
-          <a:fillRef idx="0">
-            <a:schemeClr val="accent1"/>
-          </a:fillRef>
-          <a:effectRef idx="0">
-            <a:schemeClr val="accent1"/>
-          </a:effectRef>
-          <a:fontRef idx="minor">
-            <a:schemeClr val="tx1"/>
-          </a:fontRef>
-        </p:style>
-      </p:cxnSp>
-      <p:cxnSp>
-        <p:nvCxnSpPr>
-          <p:cNvPr id="129" name="直接箭头连接符 128"/>
-          <p:cNvCxnSpPr>
-            <a:stCxn id="4" idx="1"/>
-            <a:endCxn id="28" idx="3"/>
-          </p:cNvCxnSpPr>
-          <p:nvPr/>
-        </p:nvCxnSpPr>
-        <p:spPr>
-          <a:xfrm flipH="1">
-            <a:off x="5004048" y="5103186"/>
-            <a:ext cx="1368373" cy="0"/>
-          </a:xfrm>
-          <a:prstGeom prst="straightConnector1">
-            <a:avLst/>
-          </a:prstGeom>
-          <a:ln w="19050">
-            <a:prstDash val="dash"/>
-            <a:tailEnd type="arrow"/>
-          </a:ln>
-        </p:spPr>
-        <p:style>
-          <a:lnRef idx="1">
-            <a:schemeClr val="accent1"/>
-          </a:lnRef>
-          <a:fillRef idx="0">
-            <a:schemeClr val="accent1"/>
-          </a:fillRef>
-          <a:effectRef idx="0">
-            <a:schemeClr val="accent1"/>
-          </a:effectRef>
-          <a:fontRef idx="minor">
-            <a:schemeClr val="tx1"/>
-          </a:fontRef>
-        </p:style>
-      </p:cxnSp>
-      <p:cxnSp>
-        <p:nvCxnSpPr>
-          <p:cNvPr id="131" name="肘形连接符 130"/>
-          <p:cNvCxnSpPr>
-            <a:stCxn id="4" idx="1"/>
-            <a:endCxn id="31" idx="3"/>
-          </p:cNvCxnSpPr>
-          <p:nvPr/>
-        </p:nvCxnSpPr>
-        <p:spPr>
-          <a:xfrm rot="10800000">
-            <a:off x="4991923" y="3789208"/>
-            <a:ext cx="1380499" cy="1313978"/>
-          </a:xfrm>
-          <a:prstGeom prst="bentConnector3">
-            <a:avLst>
-              <a:gd name="adj1" fmla="val 64572"/>
-            </a:avLst>
-          </a:prstGeom>
-          <a:ln w="19050">
-            <a:prstDash val="dash"/>
-            <a:tailEnd type="arrow"/>
-          </a:ln>
-        </p:spPr>
-        <p:style>
-          <a:lnRef idx="1">
-            <a:schemeClr val="accent1"/>
-          </a:lnRef>
-          <a:fillRef idx="0">
-            <a:schemeClr val="accent1"/>
-          </a:fillRef>
-          <a:effectRef idx="0">
-            <a:schemeClr val="accent1"/>
-          </a:effectRef>
-          <a:fontRef idx="minor">
-            <a:schemeClr val="tx1"/>
-          </a:fontRef>
-        </p:style>
-      </p:cxnSp>
-      <p:cxnSp>
-        <p:nvCxnSpPr>
-          <p:cNvPr id="136" name="肘形连接符 135"/>
-          <p:cNvCxnSpPr>
-            <a:stCxn id="4" idx="3"/>
-            <a:endCxn id="11" idx="3"/>
-          </p:cNvCxnSpPr>
-          <p:nvPr/>
-        </p:nvCxnSpPr>
-        <p:spPr>
-          <a:xfrm flipH="1" flipV="1">
-            <a:off x="7956376" y="3789209"/>
-            <a:ext cx="221" cy="1313977"/>
-          </a:xfrm>
-          <a:prstGeom prst="bentConnector3">
-            <a:avLst>
-              <a:gd name="adj1" fmla="val -103438914"/>
-            </a:avLst>
-          </a:prstGeom>
-          <a:ln w="19050">
-            <a:prstDash val="dash"/>
-            <a:tailEnd type="arrow"/>
-          </a:ln>
-        </p:spPr>
-        <p:style>
-          <a:lnRef idx="1">
-            <a:schemeClr val="accent1"/>
-          </a:lnRef>
-          <a:fillRef idx="0">
-            <a:schemeClr val="accent1"/>
-          </a:fillRef>
-          <a:effectRef idx="0">
-            <a:schemeClr val="accent1"/>
-          </a:effectRef>
-          <a:fontRef idx="minor">
-            <a:schemeClr val="tx1"/>
-          </a:fontRef>
-        </p:style>
-      </p:cxnSp>
-      <p:cxnSp>
-        <p:nvCxnSpPr>
-          <p:cNvPr id="158" name="直接箭头连接符 89"/>
-          <p:cNvCxnSpPr>
-            <a:stCxn id="12" idx="3"/>
-            <a:endCxn id="11" idx="1"/>
-          </p:cNvCxnSpPr>
-          <p:nvPr/>
-        </p:nvCxnSpPr>
-        <p:spPr>
-          <a:xfrm>
-            <a:off x="5004048" y="2890345"/>
-            <a:ext cx="1368152" cy="898864"/>
-          </a:xfrm>
-          <a:prstGeom prst="bentConnector3">
-            <a:avLst>
-              <a:gd name="adj1" fmla="val 64704"/>
-            </a:avLst>
-          </a:prstGeom>
-          <a:ln>
-            <a:tailEnd type="arrow"/>
-          </a:ln>
-        </p:spPr>
-        <p:style>
-          <a:lnRef idx="2">
-            <a:schemeClr val="accent5"/>
-          </a:lnRef>
-          <a:fillRef idx="0">
-            <a:schemeClr val="accent5"/>
-          </a:fillRef>
-          <a:effectRef idx="1">
-            <a:schemeClr val="accent5"/>
-          </a:effectRef>
-          <a:fontRef idx="minor">
-            <a:schemeClr val="tx1"/>
-          </a:fontRef>
-        </p:style>
-      </p:cxnSp>
-      <p:sp>
-        <p:nvSpPr>
-          <p:cNvPr id="169" name="TextBox 168"/>
-          <p:cNvSpPr txBox="1"/>
-          <p:nvPr/>
-        </p:nvSpPr>
-        <p:spPr>
-          <a:xfrm>
-            <a:off x="4552330" y="1764105"/>
-            <a:ext cx="1747862" cy="584775"/>
-          </a:xfrm>
-          <a:prstGeom prst="rect">
-            <a:avLst/>
-          </a:prstGeom>
-          <a:noFill/>
-        </p:spPr>
-        <p:txBody>
-          <a:bodyPr wrap="square" rtlCol="0">
-            <a:spAutoFit/>
-          </a:bodyPr>
-          <a:lstStyle/>
-          <a:p>
-            <a:pPr marL="228600" indent="-228600">
-              <a:buAutoNum type="arabicParenBoth"/>
-            </a:pPr>
-            <a:r>
-              <a:rPr lang="zh-CN" altLang="en-US" sz="1600" dirty="0" smtClean="0"/>
-              <a:t>可以让用户关键字优先入队</a:t>
-            </a:r>
-            <a:endParaRPr lang="zh-CN" altLang="en-US" sz="1600" dirty="0"/>
-          </a:p>
-        </p:txBody>
-      </p:sp>
-      <p:sp>
-        <p:nvSpPr>
-          <p:cNvPr id="170" name="TextBox 169"/>
-          <p:cNvSpPr txBox="1"/>
-          <p:nvPr/>
-        </p:nvSpPr>
-        <p:spPr>
-          <a:xfrm>
-            <a:off x="7104587" y="2856314"/>
-            <a:ext cx="936325" cy="338554"/>
-          </a:xfrm>
-          <a:prstGeom prst="rect">
-            <a:avLst/>
-          </a:prstGeom>
-          <a:noFill/>
-        </p:spPr>
-        <p:txBody>
-          <a:bodyPr wrap="square" rtlCol="0">
-            <a:spAutoFit/>
-          </a:bodyPr>
-          <a:lstStyle/>
-          <a:p>
-            <a:r>
-              <a:rPr lang="en-US" altLang="zh-CN" sz="1600" dirty="0" smtClean="0"/>
-              <a:t>(2</a:t>
-            </a:r>
-            <a:r>
-              <a:rPr lang="en-US" altLang="zh-CN" sz="1600" dirty="0"/>
-              <a:t>)</a:t>
-            </a:r>
-            <a:r>
-              <a:rPr lang="zh-CN" altLang="en-US" sz="1600" dirty="0" smtClean="0"/>
-              <a:t>创建</a:t>
-            </a:r>
-            <a:endParaRPr lang="zh-CN" altLang="en-US" sz="1600" dirty="0"/>
-          </a:p>
-        </p:txBody>
-      </p:sp>
-      <p:sp>
-        <p:nvSpPr>
-          <p:cNvPr id="171" name="TextBox 170"/>
-          <p:cNvSpPr txBox="1"/>
-          <p:nvPr/>
-        </p:nvSpPr>
-        <p:spPr>
-          <a:xfrm>
-            <a:off x="5148064" y="2551791"/>
-            <a:ext cx="936325" cy="338554"/>
-          </a:xfrm>
-          <a:prstGeom prst="rect">
-            <a:avLst/>
-          </a:prstGeom>
-          <a:noFill/>
-        </p:spPr>
-        <p:txBody>
-          <a:bodyPr wrap="square" rtlCol="0">
-            <a:spAutoFit/>
-          </a:bodyPr>
-          <a:lstStyle/>
-          <a:p>
-            <a:r>
-              <a:rPr lang="en-US" altLang="zh-CN" sz="1600" dirty="0" smtClean="0"/>
-              <a:t>(3)</a:t>
-            </a:r>
-            <a:r>
-              <a:rPr lang="zh-CN" altLang="en-US" sz="1600" dirty="0" smtClean="0"/>
-              <a:t>获取</a:t>
-            </a:r>
-            <a:endParaRPr lang="zh-CN" altLang="en-US" sz="1600" dirty="0"/>
-          </a:p>
-        </p:txBody>
-      </p:sp>
-      <p:sp>
-        <p:nvSpPr>
-          <p:cNvPr id="172" name="TextBox 171"/>
-          <p:cNvSpPr txBox="1"/>
-          <p:nvPr/>
-        </p:nvSpPr>
-        <p:spPr>
-          <a:xfrm>
-            <a:off x="7092280" y="4242574"/>
-            <a:ext cx="936325" cy="338554"/>
-          </a:xfrm>
-          <a:prstGeom prst="rect">
-            <a:avLst/>
-          </a:prstGeom>
-          <a:noFill/>
-        </p:spPr>
-        <p:txBody>
-          <a:bodyPr wrap="square" rtlCol="0">
-            <a:spAutoFit/>
-          </a:bodyPr>
-          <a:lstStyle/>
-          <a:p>
-            <a:r>
-              <a:rPr lang="en-US" altLang="zh-CN" sz="1600" dirty="0" smtClean="0"/>
-              <a:t>(4)</a:t>
-            </a:r>
-            <a:r>
-              <a:rPr lang="zh-CN" altLang="en-US" sz="1600" dirty="0" smtClean="0"/>
-              <a:t>创建</a:t>
-            </a:r>
-            <a:endParaRPr lang="zh-CN" altLang="en-US" sz="1600" dirty="0"/>
-          </a:p>
-        </p:txBody>
-      </p:sp>
-      <p:sp>
-        <p:nvSpPr>
-          <p:cNvPr id="173" name="TextBox 172"/>
-          <p:cNvSpPr txBox="1"/>
-          <p:nvPr/>
-        </p:nvSpPr>
-        <p:spPr>
-          <a:xfrm>
-            <a:off x="5435875" y="4098558"/>
-            <a:ext cx="936325" cy="338554"/>
-          </a:xfrm>
-          <a:prstGeom prst="rect">
-            <a:avLst/>
-          </a:prstGeom>
-          <a:noFill/>
-        </p:spPr>
-        <p:txBody>
-          <a:bodyPr wrap="square" rtlCol="0">
-            <a:spAutoFit/>
-          </a:bodyPr>
-          <a:lstStyle/>
-          <a:p>
-            <a:r>
-              <a:rPr lang="en-US" altLang="zh-CN" sz="1600" dirty="0" smtClean="0"/>
-              <a:t>(5)</a:t>
-            </a:r>
-            <a:r>
-              <a:rPr lang="zh-CN" altLang="en-US" sz="1600" dirty="0" smtClean="0"/>
-              <a:t>创建</a:t>
-            </a:r>
-            <a:endParaRPr lang="zh-CN" altLang="en-US" sz="1600" dirty="0"/>
-          </a:p>
-        </p:txBody>
-      </p:sp>
-      <p:sp>
-        <p:nvSpPr>
-          <p:cNvPr id="174" name="TextBox 173"/>
-          <p:cNvSpPr txBox="1"/>
-          <p:nvPr/>
-        </p:nvSpPr>
-        <p:spPr>
-          <a:xfrm>
-            <a:off x="5004048" y="5124908"/>
-            <a:ext cx="936325" cy="338554"/>
-          </a:xfrm>
-          <a:prstGeom prst="rect">
-            <a:avLst/>
-          </a:prstGeom>
-          <a:noFill/>
-        </p:spPr>
-        <p:txBody>
-          <a:bodyPr wrap="square" rtlCol="0">
-            <a:spAutoFit/>
-          </a:bodyPr>
-          <a:lstStyle/>
-          <a:p>
-            <a:r>
-              <a:rPr lang="en-US" altLang="zh-CN" sz="1600" dirty="0" smtClean="0"/>
-              <a:t>(6)</a:t>
-            </a:r>
-            <a:r>
-              <a:rPr lang="zh-CN" altLang="en-US" sz="1600" dirty="0" smtClean="0"/>
-              <a:t>创建</a:t>
-            </a:r>
-            <a:endParaRPr lang="zh-CN" altLang="en-US" sz="1600" dirty="0"/>
-          </a:p>
-        </p:txBody>
-      </p:sp>
+        </p:grpSpPr>
+        <p:sp>
+          <p:nvSpPr>
+            <p:cNvPr id="3" name="圆角矩形 2"/>
+            <p:cNvSpPr/>
+            <p:nvPr/>
+          </p:nvSpPr>
+          <p:spPr>
+            <a:xfrm>
+              <a:off x="6372200" y="1989008"/>
+              <a:ext cx="1583954" cy="720080"/>
+            </a:xfrm>
+            <a:prstGeom prst="roundRect">
+              <a:avLst/>
+            </a:prstGeom>
+          </p:spPr>
+          <p:style>
+            <a:lnRef idx="2">
+              <a:schemeClr val="accent1">
+                <a:shade val="50000"/>
+              </a:schemeClr>
+            </a:lnRef>
+            <a:fillRef idx="1">
+              <a:schemeClr val="accent1"/>
+            </a:fillRef>
+            <a:effectRef idx="0">
+              <a:schemeClr val="accent1"/>
+            </a:effectRef>
+            <a:fontRef idx="minor">
+              <a:schemeClr val="lt1"/>
+            </a:fontRef>
+          </p:style>
+          <p:txBody>
+            <a:bodyPr rtlCol="0" anchor="ctr"/>
+            <a:lstStyle/>
+            <a:p>
+              <a:pPr algn="ctr"/>
+              <a:r>
+                <a:rPr lang="en-US" altLang="zh-CN" dirty="0" smtClean="0"/>
+                <a:t>Activate Job</a:t>
+              </a:r>
+              <a:endParaRPr lang="zh-CN" altLang="en-US" dirty="0"/>
+            </a:p>
+          </p:txBody>
+        </p:sp>
+        <p:sp>
+          <p:nvSpPr>
+            <p:cNvPr id="4" name="圆角矩形 3"/>
+            <p:cNvSpPr/>
+            <p:nvPr/>
+          </p:nvSpPr>
+          <p:spPr>
+            <a:xfrm>
+              <a:off x="6372421" y="4743146"/>
+              <a:ext cx="1584176" cy="720080"/>
+            </a:xfrm>
+            <a:prstGeom prst="roundRect">
+              <a:avLst/>
+            </a:prstGeom>
+          </p:spPr>
+          <p:style>
+            <a:lnRef idx="2">
+              <a:schemeClr val="accent1">
+                <a:shade val="50000"/>
+              </a:schemeClr>
+            </a:lnRef>
+            <a:fillRef idx="1">
+              <a:schemeClr val="accent1"/>
+            </a:fillRef>
+            <a:effectRef idx="0">
+              <a:schemeClr val="accent1"/>
+            </a:effectRef>
+            <a:fontRef idx="minor">
+              <a:schemeClr val="lt1"/>
+            </a:fontRef>
+          </p:style>
+          <p:txBody>
+            <a:bodyPr rtlCol="0" anchor="ctr"/>
+            <a:lstStyle/>
+            <a:p>
+              <a:pPr algn="ctr"/>
+              <a:r>
+                <a:rPr lang="en-US" altLang="zh-CN" dirty="0" smtClean="0"/>
+                <a:t>Search Job</a:t>
+              </a:r>
+              <a:endParaRPr lang="zh-CN" altLang="en-US" dirty="0"/>
+            </a:p>
+          </p:txBody>
+        </p:sp>
+        <p:sp>
+          <p:nvSpPr>
+            <p:cNvPr id="9" name="单圆角矩形 8"/>
+            <p:cNvSpPr/>
+            <p:nvPr/>
+          </p:nvSpPr>
+          <p:spPr>
+            <a:xfrm>
+              <a:off x="1187625" y="4149248"/>
+              <a:ext cx="1944216" cy="792088"/>
+            </a:xfrm>
+            <a:prstGeom prst="round1Rect">
+              <a:avLst/>
+            </a:prstGeom>
+          </p:spPr>
+          <p:style>
+            <a:lnRef idx="2">
+              <a:schemeClr val="accent6">
+                <a:shade val="50000"/>
+              </a:schemeClr>
+            </a:lnRef>
+            <a:fillRef idx="1">
+              <a:schemeClr val="accent6"/>
+            </a:fillRef>
+            <a:effectRef idx="0">
+              <a:schemeClr val="accent6"/>
+            </a:effectRef>
+            <a:fontRef idx="minor">
+              <a:schemeClr val="lt1"/>
+            </a:fontRef>
+          </p:style>
+          <p:txBody>
+            <a:bodyPr rtlCol="0" anchor="ctr"/>
+            <a:lstStyle/>
+            <a:p>
+              <a:pPr algn="ctr"/>
+              <a:r>
+                <a:rPr lang="en-US" altLang="zh-CN" dirty="0" smtClean="0"/>
+                <a:t>Goods</a:t>
+              </a:r>
+              <a:r>
+                <a:rPr lang="zh-CN" altLang="en-US" dirty="0" smtClean="0"/>
+                <a:t>缓存</a:t>
+              </a:r>
+              <a:r>
+                <a:rPr lang="zh-CN" altLang="en-US" dirty="0"/>
+                <a:t>池</a:t>
+              </a:r>
+            </a:p>
+          </p:txBody>
+        </p:sp>
+        <p:sp>
+          <p:nvSpPr>
+            <p:cNvPr id="10" name="单圆角矩形 9"/>
+            <p:cNvSpPr/>
+            <p:nvPr/>
+          </p:nvSpPr>
+          <p:spPr>
+            <a:xfrm>
+              <a:off x="1187624" y="5229200"/>
+              <a:ext cx="1944216" cy="792088"/>
+            </a:xfrm>
+            <a:prstGeom prst="round1Rect">
+              <a:avLst/>
+            </a:prstGeom>
+          </p:spPr>
+          <p:style>
+            <a:lnRef idx="2">
+              <a:schemeClr val="accent6">
+                <a:shade val="50000"/>
+              </a:schemeClr>
+            </a:lnRef>
+            <a:fillRef idx="1">
+              <a:schemeClr val="accent6"/>
+            </a:fillRef>
+            <a:effectRef idx="0">
+              <a:schemeClr val="accent6"/>
+            </a:effectRef>
+            <a:fontRef idx="minor">
+              <a:schemeClr val="lt1"/>
+            </a:fontRef>
+          </p:style>
+          <p:txBody>
+            <a:bodyPr rtlCol="0" anchor="ctr"/>
+            <a:lstStyle/>
+            <a:p>
+              <a:pPr algn="ctr"/>
+              <a:r>
+                <a:rPr lang="en-US" altLang="zh-CN" dirty="0" smtClean="0"/>
+                <a:t>Goods</a:t>
+              </a:r>
+              <a:r>
+                <a:rPr lang="zh-CN" altLang="en-US" dirty="0" smtClean="0"/>
+                <a:t>数据库</a:t>
+              </a:r>
+              <a:endParaRPr lang="zh-CN" altLang="en-US" dirty="0"/>
+            </a:p>
+          </p:txBody>
+        </p:sp>
+        <p:sp>
+          <p:nvSpPr>
+            <p:cNvPr id="11" name="圆角矩形 10"/>
+            <p:cNvSpPr/>
+            <p:nvPr/>
+          </p:nvSpPr>
+          <p:spPr>
+            <a:xfrm>
+              <a:off x="6372200" y="3429169"/>
+              <a:ext cx="1584176" cy="720080"/>
+            </a:xfrm>
+            <a:prstGeom prst="roundRect">
+              <a:avLst/>
+            </a:prstGeom>
+          </p:spPr>
+          <p:style>
+            <a:lnRef idx="2">
+              <a:schemeClr val="accent1">
+                <a:shade val="50000"/>
+              </a:schemeClr>
+            </a:lnRef>
+            <a:fillRef idx="1">
+              <a:schemeClr val="accent1"/>
+            </a:fillRef>
+            <a:effectRef idx="0">
+              <a:schemeClr val="accent1"/>
+            </a:effectRef>
+            <a:fontRef idx="minor">
+              <a:schemeClr val="lt1"/>
+            </a:fontRef>
+          </p:style>
+          <p:txBody>
+            <a:bodyPr rtlCol="0" anchor="ctr"/>
+            <a:lstStyle/>
+            <a:p>
+              <a:pPr algn="ctr"/>
+              <a:r>
+                <a:rPr lang="en-US" altLang="zh-CN" dirty="0" smtClean="0"/>
+                <a:t>Keyword Select Job</a:t>
+              </a:r>
+              <a:endParaRPr lang="zh-CN" altLang="en-US" dirty="0"/>
+            </a:p>
+          </p:txBody>
+        </p:sp>
+        <p:sp>
+          <p:nvSpPr>
+            <p:cNvPr id="12" name="单圆角矩形 11"/>
+            <p:cNvSpPr/>
+            <p:nvPr/>
+          </p:nvSpPr>
+          <p:spPr>
+            <a:xfrm>
+              <a:off x="3472210" y="2585822"/>
+              <a:ext cx="1531838" cy="609046"/>
+            </a:xfrm>
+            <a:prstGeom prst="round1Rect">
+              <a:avLst/>
+            </a:prstGeom>
+          </p:spPr>
+          <p:style>
+            <a:lnRef idx="3">
+              <a:schemeClr val="lt1"/>
+            </a:lnRef>
+            <a:fillRef idx="1">
+              <a:schemeClr val="accent5"/>
+            </a:fillRef>
+            <a:effectRef idx="1">
+              <a:schemeClr val="accent5"/>
+            </a:effectRef>
+            <a:fontRef idx="minor">
+              <a:schemeClr val="lt1"/>
+            </a:fontRef>
+          </p:style>
+          <p:txBody>
+            <a:bodyPr rtlCol="0" anchor="ctr"/>
+            <a:lstStyle/>
+            <a:p>
+              <a:pPr algn="ctr"/>
+              <a:r>
+                <a:rPr lang="zh-CN" altLang="en-US" dirty="0" smtClean="0"/>
+                <a:t>关键字队列</a:t>
+              </a:r>
+              <a:endParaRPr lang="zh-CN" altLang="en-US" dirty="0"/>
+            </a:p>
+          </p:txBody>
+        </p:sp>
+        <p:sp>
+          <p:nvSpPr>
+            <p:cNvPr id="28" name="圆角矩形 27"/>
+            <p:cNvSpPr/>
+            <p:nvPr/>
+          </p:nvSpPr>
+          <p:spPr>
+            <a:xfrm>
+              <a:off x="3419872" y="4743146"/>
+              <a:ext cx="1584176" cy="720080"/>
+            </a:xfrm>
+            <a:prstGeom prst="roundRect">
+              <a:avLst/>
+            </a:prstGeom>
+          </p:spPr>
+          <p:style>
+            <a:lnRef idx="2">
+              <a:schemeClr val="accent1">
+                <a:shade val="50000"/>
+              </a:schemeClr>
+            </a:lnRef>
+            <a:fillRef idx="1">
+              <a:schemeClr val="accent1"/>
+            </a:fillRef>
+            <a:effectRef idx="0">
+              <a:schemeClr val="accent1"/>
+            </a:effectRef>
+            <a:fontRef idx="minor">
+              <a:schemeClr val="lt1"/>
+            </a:fontRef>
+          </p:style>
+          <p:txBody>
+            <a:bodyPr rtlCol="0" anchor="ctr"/>
+            <a:lstStyle/>
+            <a:p>
+              <a:pPr algn="ctr"/>
+              <a:r>
+                <a:rPr lang="en-US" altLang="zh-CN" dirty="0" smtClean="0"/>
+                <a:t>Filter Job</a:t>
+              </a:r>
+              <a:endParaRPr lang="zh-CN" altLang="en-US" dirty="0"/>
+            </a:p>
+          </p:txBody>
+        </p:sp>
+        <p:cxnSp>
+          <p:nvCxnSpPr>
+            <p:cNvPr id="30" name="肘形连接符 29"/>
+            <p:cNvCxnSpPr>
+              <a:stCxn id="9" idx="3"/>
+              <a:endCxn id="28" idx="0"/>
+            </p:cNvCxnSpPr>
+            <p:nvPr/>
+          </p:nvCxnSpPr>
+          <p:spPr>
+            <a:xfrm>
+              <a:off x="3131841" y="4545292"/>
+              <a:ext cx="1080119" cy="197854"/>
+            </a:xfrm>
+            <a:prstGeom prst="bentConnector2">
+              <a:avLst/>
+            </a:prstGeom>
+            <a:ln>
+              <a:tailEnd type="arrow"/>
+            </a:ln>
+          </p:spPr>
+          <p:style>
+            <a:lnRef idx="2">
+              <a:schemeClr val="accent6"/>
+            </a:lnRef>
+            <a:fillRef idx="0">
+              <a:schemeClr val="accent6"/>
+            </a:fillRef>
+            <a:effectRef idx="1">
+              <a:schemeClr val="accent6"/>
+            </a:effectRef>
+            <a:fontRef idx="minor">
+              <a:schemeClr val="tx1"/>
+            </a:fontRef>
+          </p:style>
+        </p:cxnSp>
+        <p:cxnSp>
+          <p:nvCxnSpPr>
+            <p:cNvPr id="32" name="肘形连接符 31"/>
+            <p:cNvCxnSpPr>
+              <a:stCxn id="28" idx="2"/>
+              <a:endCxn id="10" idx="3"/>
+            </p:cNvCxnSpPr>
+            <p:nvPr/>
+          </p:nvCxnSpPr>
+          <p:spPr>
+            <a:xfrm rot="5400000">
+              <a:off x="3590891" y="5004175"/>
+              <a:ext cx="162018" cy="1080120"/>
+            </a:xfrm>
+            <a:prstGeom prst="bentConnector2">
+              <a:avLst/>
+            </a:prstGeom>
+            <a:ln>
+              <a:tailEnd type="arrow"/>
+            </a:ln>
+          </p:spPr>
+          <p:style>
+            <a:lnRef idx="2">
+              <a:schemeClr val="accent6"/>
+            </a:lnRef>
+            <a:fillRef idx="0">
+              <a:schemeClr val="accent6"/>
+            </a:fillRef>
+            <a:effectRef idx="1">
+              <a:schemeClr val="accent6"/>
+            </a:effectRef>
+            <a:fontRef idx="minor">
+              <a:schemeClr val="tx1"/>
+            </a:fontRef>
+          </p:style>
+        </p:cxnSp>
+        <p:cxnSp>
+          <p:nvCxnSpPr>
+            <p:cNvPr id="29" name="肘形连接符 28"/>
+            <p:cNvCxnSpPr>
+              <a:stCxn id="31" idx="1"/>
+              <a:endCxn id="9" idx="0"/>
+            </p:cNvCxnSpPr>
+            <p:nvPr/>
+          </p:nvCxnSpPr>
+          <p:spPr>
+            <a:xfrm rot="10800000" flipV="1">
+              <a:off x="2159734" y="3789208"/>
+              <a:ext cx="1248013" cy="360040"/>
+            </a:xfrm>
+            <a:prstGeom prst="bentConnector2">
+              <a:avLst/>
+            </a:prstGeom>
+            <a:ln>
+              <a:tailEnd type="arrow"/>
+            </a:ln>
+          </p:spPr>
+          <p:style>
+            <a:lnRef idx="2">
+              <a:schemeClr val="accent6"/>
+            </a:lnRef>
+            <a:fillRef idx="0">
+              <a:schemeClr val="accent6"/>
+            </a:fillRef>
+            <a:effectRef idx="1">
+              <a:schemeClr val="accent6"/>
+            </a:effectRef>
+            <a:fontRef idx="minor">
+              <a:schemeClr val="tx1"/>
+            </a:fontRef>
+          </p:style>
+        </p:cxnSp>
+        <p:sp>
+          <p:nvSpPr>
+            <p:cNvPr id="31" name="圆角矩形 30"/>
+            <p:cNvSpPr/>
+            <p:nvPr/>
+          </p:nvSpPr>
+          <p:spPr>
+            <a:xfrm>
+              <a:off x="3407746" y="3429168"/>
+              <a:ext cx="1584176" cy="720080"/>
+            </a:xfrm>
+            <a:prstGeom prst="roundRect">
+              <a:avLst/>
+            </a:prstGeom>
+          </p:spPr>
+          <p:style>
+            <a:lnRef idx="2">
+              <a:schemeClr val="accent1">
+                <a:shade val="50000"/>
+              </a:schemeClr>
+            </a:lnRef>
+            <a:fillRef idx="1">
+              <a:schemeClr val="accent1"/>
+            </a:fillRef>
+            <a:effectRef idx="0">
+              <a:schemeClr val="accent1"/>
+            </a:effectRef>
+            <a:fontRef idx="minor">
+              <a:schemeClr val="lt1"/>
+            </a:fontRef>
+          </p:style>
+          <p:txBody>
+            <a:bodyPr rtlCol="0" anchor="ctr"/>
+            <a:lstStyle/>
+            <a:p>
+              <a:pPr algn="ctr"/>
+              <a:r>
+                <a:rPr lang="en-US" altLang="zh-CN" dirty="0" smtClean="0"/>
+                <a:t>Fetch Job</a:t>
+              </a:r>
+              <a:endParaRPr lang="zh-CN" altLang="en-US" dirty="0"/>
+            </a:p>
+          </p:txBody>
+        </p:sp>
+        <p:cxnSp>
+          <p:nvCxnSpPr>
+            <p:cNvPr id="90" name="直接箭头连接符 89"/>
+            <p:cNvCxnSpPr>
+              <a:stCxn id="3" idx="1"/>
+              <a:endCxn id="12" idx="0"/>
+            </p:cNvCxnSpPr>
+            <p:nvPr/>
+          </p:nvCxnSpPr>
+          <p:spPr>
+            <a:xfrm rot="10800000" flipV="1">
+              <a:off x="4238130" y="2349048"/>
+              <a:ext cx="2134071" cy="236774"/>
+            </a:xfrm>
+            <a:prstGeom prst="bentConnector2">
+              <a:avLst/>
+            </a:prstGeom>
+            <a:ln>
+              <a:tailEnd type="arrow"/>
+            </a:ln>
+          </p:spPr>
+          <p:style>
+            <a:lnRef idx="2">
+              <a:schemeClr val="accent5"/>
+            </a:lnRef>
+            <a:fillRef idx="0">
+              <a:schemeClr val="accent5"/>
+            </a:fillRef>
+            <a:effectRef idx="1">
+              <a:schemeClr val="accent5"/>
+            </a:effectRef>
+            <a:fontRef idx="minor">
+              <a:schemeClr val="tx1"/>
+            </a:fontRef>
+          </p:style>
+        </p:cxnSp>
+        <p:cxnSp>
+          <p:nvCxnSpPr>
+            <p:cNvPr id="94" name="直接箭头连接符 93"/>
+            <p:cNvCxnSpPr>
+              <a:stCxn id="3" idx="2"/>
+              <a:endCxn id="11" idx="0"/>
+            </p:cNvCxnSpPr>
+            <p:nvPr/>
+          </p:nvCxnSpPr>
+          <p:spPr>
+            <a:xfrm rot="16200000" flipH="1">
+              <a:off x="6804192" y="3069072"/>
+              <a:ext cx="720081" cy="111"/>
+            </a:xfrm>
+            <a:prstGeom prst="bentConnector3">
+              <a:avLst>
+                <a:gd name="adj1" fmla="val 50000"/>
+              </a:avLst>
+            </a:prstGeom>
+            <a:ln w="19050">
+              <a:prstDash val="dash"/>
+              <a:tailEnd type="arrow"/>
+            </a:ln>
+          </p:spPr>
+          <p:style>
+            <a:lnRef idx="1">
+              <a:schemeClr val="accent1"/>
+            </a:lnRef>
+            <a:fillRef idx="0">
+              <a:schemeClr val="accent1"/>
+            </a:fillRef>
+            <a:effectRef idx="0">
+              <a:schemeClr val="accent1"/>
+            </a:effectRef>
+            <a:fontRef idx="minor">
+              <a:schemeClr val="tx1"/>
+            </a:fontRef>
+          </p:style>
+        </p:cxnSp>
+        <p:cxnSp>
+          <p:nvCxnSpPr>
+            <p:cNvPr id="96" name="肘形连接符 95"/>
+            <p:cNvCxnSpPr>
+              <a:stCxn id="11" idx="2"/>
+              <a:endCxn id="4" idx="0"/>
+            </p:cNvCxnSpPr>
+            <p:nvPr/>
+          </p:nvCxnSpPr>
+          <p:spPr>
+            <a:xfrm rot="16200000" flipH="1">
+              <a:off x="6867450" y="4446086"/>
+              <a:ext cx="593897" cy="221"/>
+            </a:xfrm>
+            <a:prstGeom prst="bentConnector3">
+              <a:avLst/>
+            </a:prstGeom>
+            <a:ln w="19050">
+              <a:prstDash val="dash"/>
+              <a:tailEnd type="arrow"/>
+            </a:ln>
+          </p:spPr>
+          <p:style>
+            <a:lnRef idx="1">
+              <a:schemeClr val="accent1"/>
+            </a:lnRef>
+            <a:fillRef idx="0">
+              <a:schemeClr val="accent1"/>
+            </a:fillRef>
+            <a:effectRef idx="0">
+              <a:schemeClr val="accent1"/>
+            </a:effectRef>
+            <a:fontRef idx="minor">
+              <a:schemeClr val="tx1"/>
+            </a:fontRef>
+          </p:style>
+        </p:cxnSp>
+        <p:cxnSp>
+          <p:nvCxnSpPr>
+            <p:cNvPr id="129" name="直接箭头连接符 128"/>
+            <p:cNvCxnSpPr>
+              <a:stCxn id="4" idx="1"/>
+              <a:endCxn id="28" idx="3"/>
+            </p:cNvCxnSpPr>
+            <p:nvPr/>
+          </p:nvCxnSpPr>
+          <p:spPr>
+            <a:xfrm flipH="1">
+              <a:off x="5004048" y="5103186"/>
+              <a:ext cx="1368373" cy="0"/>
+            </a:xfrm>
+            <a:prstGeom prst="straightConnector1">
+              <a:avLst/>
+            </a:prstGeom>
+            <a:ln w="19050">
+              <a:prstDash val="dash"/>
+              <a:tailEnd type="arrow"/>
+            </a:ln>
+          </p:spPr>
+          <p:style>
+            <a:lnRef idx="1">
+              <a:schemeClr val="accent1"/>
+            </a:lnRef>
+            <a:fillRef idx="0">
+              <a:schemeClr val="accent1"/>
+            </a:fillRef>
+            <a:effectRef idx="0">
+              <a:schemeClr val="accent1"/>
+            </a:effectRef>
+            <a:fontRef idx="minor">
+              <a:schemeClr val="tx1"/>
+            </a:fontRef>
+          </p:style>
+        </p:cxnSp>
+        <p:cxnSp>
+          <p:nvCxnSpPr>
+            <p:cNvPr id="131" name="肘形连接符 130"/>
+            <p:cNvCxnSpPr>
+              <a:stCxn id="4" idx="1"/>
+              <a:endCxn id="31" idx="3"/>
+            </p:cNvCxnSpPr>
+            <p:nvPr/>
+          </p:nvCxnSpPr>
+          <p:spPr>
+            <a:xfrm rot="10800000">
+              <a:off x="4991923" y="3789208"/>
+              <a:ext cx="1380499" cy="1313978"/>
+            </a:xfrm>
+            <a:prstGeom prst="bentConnector3">
+              <a:avLst>
+                <a:gd name="adj1" fmla="val 64572"/>
+              </a:avLst>
+            </a:prstGeom>
+            <a:ln w="19050">
+              <a:prstDash val="dash"/>
+              <a:tailEnd type="arrow"/>
+            </a:ln>
+          </p:spPr>
+          <p:style>
+            <a:lnRef idx="1">
+              <a:schemeClr val="accent1"/>
+            </a:lnRef>
+            <a:fillRef idx="0">
+              <a:schemeClr val="accent1"/>
+            </a:fillRef>
+            <a:effectRef idx="0">
+              <a:schemeClr val="accent1"/>
+            </a:effectRef>
+            <a:fontRef idx="minor">
+              <a:schemeClr val="tx1"/>
+            </a:fontRef>
+          </p:style>
+        </p:cxnSp>
+        <p:cxnSp>
+          <p:nvCxnSpPr>
+            <p:cNvPr id="136" name="肘形连接符 135"/>
+            <p:cNvCxnSpPr>
+              <a:stCxn id="4" idx="3"/>
+              <a:endCxn id="11" idx="3"/>
+            </p:cNvCxnSpPr>
+            <p:nvPr/>
+          </p:nvCxnSpPr>
+          <p:spPr>
+            <a:xfrm flipH="1" flipV="1">
+              <a:off x="7956376" y="3789209"/>
+              <a:ext cx="221" cy="1313977"/>
+            </a:xfrm>
+            <a:prstGeom prst="bentConnector3">
+              <a:avLst>
+                <a:gd name="adj1" fmla="val -103438914"/>
+              </a:avLst>
+            </a:prstGeom>
+            <a:ln w="19050">
+              <a:prstDash val="dash"/>
+              <a:tailEnd type="arrow"/>
+            </a:ln>
+          </p:spPr>
+          <p:style>
+            <a:lnRef idx="1">
+              <a:schemeClr val="accent1"/>
+            </a:lnRef>
+            <a:fillRef idx="0">
+              <a:schemeClr val="accent1"/>
+            </a:fillRef>
+            <a:effectRef idx="0">
+              <a:schemeClr val="accent1"/>
+            </a:effectRef>
+            <a:fontRef idx="minor">
+              <a:schemeClr val="tx1"/>
+            </a:fontRef>
+          </p:style>
+        </p:cxnSp>
+        <p:cxnSp>
+          <p:nvCxnSpPr>
+            <p:cNvPr id="158" name="直接箭头连接符 89"/>
+            <p:cNvCxnSpPr>
+              <a:stCxn id="12" idx="3"/>
+              <a:endCxn id="11" idx="1"/>
+            </p:cNvCxnSpPr>
+            <p:nvPr/>
+          </p:nvCxnSpPr>
+          <p:spPr>
+            <a:xfrm>
+              <a:off x="5004048" y="2890345"/>
+              <a:ext cx="1368152" cy="898864"/>
+            </a:xfrm>
+            <a:prstGeom prst="bentConnector3">
+              <a:avLst>
+                <a:gd name="adj1" fmla="val 64704"/>
+              </a:avLst>
+            </a:prstGeom>
+            <a:ln>
+              <a:tailEnd type="arrow"/>
+            </a:ln>
+          </p:spPr>
+          <p:style>
+            <a:lnRef idx="2">
+              <a:schemeClr val="accent5"/>
+            </a:lnRef>
+            <a:fillRef idx="0">
+              <a:schemeClr val="accent5"/>
+            </a:fillRef>
+            <a:effectRef idx="1">
+              <a:schemeClr val="accent5"/>
+            </a:effectRef>
+            <a:fontRef idx="minor">
+              <a:schemeClr val="tx1"/>
+            </a:fontRef>
+          </p:style>
+        </p:cxnSp>
+        <p:sp>
+          <p:nvSpPr>
+            <p:cNvPr id="169" name="TextBox 168"/>
+            <p:cNvSpPr txBox="1"/>
+            <p:nvPr/>
+          </p:nvSpPr>
+          <p:spPr>
+            <a:xfrm>
+              <a:off x="4552330" y="1764105"/>
+              <a:ext cx="1747862" cy="584775"/>
+            </a:xfrm>
+            <a:prstGeom prst="rect">
+              <a:avLst/>
+            </a:prstGeom>
+            <a:noFill/>
+          </p:spPr>
+          <p:txBody>
+            <a:bodyPr wrap="square" rtlCol="0">
+              <a:spAutoFit/>
+            </a:bodyPr>
+            <a:lstStyle/>
+            <a:p>
+              <a:pPr marL="228600" indent="-228600">
+                <a:buAutoNum type="arabicParenBoth"/>
+              </a:pPr>
+              <a:r>
+                <a:rPr lang="zh-CN" altLang="en-US" sz="1600" dirty="0" smtClean="0"/>
+                <a:t>可以让用户关键字优先入队</a:t>
+              </a:r>
+              <a:endParaRPr lang="zh-CN" altLang="en-US" sz="1600" dirty="0"/>
+            </a:p>
+          </p:txBody>
+        </p:sp>
+        <p:sp>
+          <p:nvSpPr>
+            <p:cNvPr id="170" name="TextBox 169"/>
+            <p:cNvSpPr txBox="1"/>
+            <p:nvPr/>
+          </p:nvSpPr>
+          <p:spPr>
+            <a:xfrm>
+              <a:off x="7104587" y="2856314"/>
+              <a:ext cx="936325" cy="338554"/>
+            </a:xfrm>
+            <a:prstGeom prst="rect">
+              <a:avLst/>
+            </a:prstGeom>
+            <a:noFill/>
+          </p:spPr>
+          <p:txBody>
+            <a:bodyPr wrap="square" rtlCol="0">
+              <a:spAutoFit/>
+            </a:bodyPr>
+            <a:lstStyle/>
+            <a:p>
+              <a:r>
+                <a:rPr lang="en-US" altLang="zh-CN" sz="1600" dirty="0" smtClean="0"/>
+                <a:t>(2</a:t>
+              </a:r>
+              <a:r>
+                <a:rPr lang="en-US" altLang="zh-CN" sz="1600" dirty="0"/>
+                <a:t>)</a:t>
+              </a:r>
+              <a:r>
+                <a:rPr lang="zh-CN" altLang="en-US" sz="1600" dirty="0" smtClean="0"/>
+                <a:t>创建</a:t>
+              </a:r>
+              <a:endParaRPr lang="zh-CN" altLang="en-US" sz="1600" dirty="0"/>
+            </a:p>
+          </p:txBody>
+        </p:sp>
+        <p:sp>
+          <p:nvSpPr>
+            <p:cNvPr id="171" name="TextBox 170"/>
+            <p:cNvSpPr txBox="1"/>
+            <p:nvPr/>
+          </p:nvSpPr>
+          <p:spPr>
+            <a:xfrm>
+              <a:off x="5148064" y="2551791"/>
+              <a:ext cx="936325" cy="338554"/>
+            </a:xfrm>
+            <a:prstGeom prst="rect">
+              <a:avLst/>
+            </a:prstGeom>
+            <a:noFill/>
+          </p:spPr>
+          <p:txBody>
+            <a:bodyPr wrap="square" rtlCol="0">
+              <a:spAutoFit/>
+            </a:bodyPr>
+            <a:lstStyle/>
+            <a:p>
+              <a:r>
+                <a:rPr lang="en-US" altLang="zh-CN" sz="1600" dirty="0" smtClean="0"/>
+                <a:t>(3)</a:t>
+              </a:r>
+              <a:r>
+                <a:rPr lang="zh-CN" altLang="en-US" sz="1600" dirty="0" smtClean="0"/>
+                <a:t>获取</a:t>
+              </a:r>
+              <a:endParaRPr lang="zh-CN" altLang="en-US" sz="1600" dirty="0"/>
+            </a:p>
+          </p:txBody>
+        </p:sp>
+        <p:sp>
+          <p:nvSpPr>
+            <p:cNvPr id="172" name="TextBox 171"/>
+            <p:cNvSpPr txBox="1"/>
+            <p:nvPr/>
+          </p:nvSpPr>
+          <p:spPr>
+            <a:xfrm>
+              <a:off x="7092280" y="4242574"/>
+              <a:ext cx="936325" cy="338554"/>
+            </a:xfrm>
+            <a:prstGeom prst="rect">
+              <a:avLst/>
+            </a:prstGeom>
+            <a:noFill/>
+          </p:spPr>
+          <p:txBody>
+            <a:bodyPr wrap="square" rtlCol="0">
+              <a:spAutoFit/>
+            </a:bodyPr>
+            <a:lstStyle/>
+            <a:p>
+              <a:r>
+                <a:rPr lang="en-US" altLang="zh-CN" sz="1600" dirty="0" smtClean="0"/>
+                <a:t>(4)</a:t>
+              </a:r>
+              <a:r>
+                <a:rPr lang="zh-CN" altLang="en-US" sz="1600" dirty="0" smtClean="0"/>
+                <a:t>创建</a:t>
+              </a:r>
+              <a:endParaRPr lang="zh-CN" altLang="en-US" sz="1600" dirty="0"/>
+            </a:p>
+          </p:txBody>
+        </p:sp>
+        <p:sp>
+          <p:nvSpPr>
+            <p:cNvPr id="173" name="TextBox 172"/>
+            <p:cNvSpPr txBox="1"/>
+            <p:nvPr/>
+          </p:nvSpPr>
+          <p:spPr>
+            <a:xfrm>
+              <a:off x="5435875" y="4098558"/>
+              <a:ext cx="936325" cy="338554"/>
+            </a:xfrm>
+            <a:prstGeom prst="rect">
+              <a:avLst/>
+            </a:prstGeom>
+            <a:noFill/>
+          </p:spPr>
+          <p:txBody>
+            <a:bodyPr wrap="square" rtlCol="0">
+              <a:spAutoFit/>
+            </a:bodyPr>
+            <a:lstStyle/>
+            <a:p>
+              <a:r>
+                <a:rPr lang="en-US" altLang="zh-CN" sz="1600" dirty="0" smtClean="0"/>
+                <a:t>(5)</a:t>
+              </a:r>
+              <a:r>
+                <a:rPr lang="zh-CN" altLang="en-US" sz="1600" dirty="0" smtClean="0"/>
+                <a:t>创建</a:t>
+              </a:r>
+              <a:endParaRPr lang="zh-CN" altLang="en-US" sz="1600" dirty="0"/>
+            </a:p>
+          </p:txBody>
+        </p:sp>
+        <p:sp>
+          <p:nvSpPr>
+            <p:cNvPr id="174" name="TextBox 173"/>
+            <p:cNvSpPr txBox="1"/>
+            <p:nvPr/>
+          </p:nvSpPr>
+          <p:spPr>
+            <a:xfrm>
+              <a:off x="5004048" y="5124908"/>
+              <a:ext cx="936325" cy="338554"/>
+            </a:xfrm>
+            <a:prstGeom prst="rect">
+              <a:avLst/>
+            </a:prstGeom>
+            <a:noFill/>
+          </p:spPr>
+          <p:txBody>
+            <a:bodyPr wrap="square" rtlCol="0">
+              <a:spAutoFit/>
+            </a:bodyPr>
+            <a:lstStyle/>
+            <a:p>
+              <a:r>
+                <a:rPr lang="en-US" altLang="zh-CN" sz="1600" dirty="0" smtClean="0"/>
+                <a:t>(6)</a:t>
+              </a:r>
+              <a:r>
+                <a:rPr lang="zh-CN" altLang="en-US" sz="1600" dirty="0" smtClean="0"/>
+                <a:t>创建</a:t>
+              </a:r>
+              <a:endParaRPr lang="zh-CN" altLang="en-US" sz="1600" dirty="0"/>
+            </a:p>
+          </p:txBody>
+        </p:sp>
+      </p:grpSp>
     </p:spTree>
     <p:extLst>
       <p:ext uri="{BB962C8B-B14F-4D97-AF65-F5344CB8AC3E}">
